--- a/Tableau_&_PowerBI/INFS 776 - Data Visualization/Assignments/Project - Storyboard - Gavin Gunawardena.pptx
+++ b/Tableau_&_PowerBI/INFS 776 - Data Visualization/Assignments/Project - Storyboard - Gavin Gunawardena.pptx
@@ -3317,6 +3317,14 @@
 <file path=ppt/slides/slide1.xml><?xml version="1.0" encoding="utf-8"?>
 <p:sld xmlns:a="http://schemas.openxmlformats.org/drawingml/2006/main" xmlns:r="http://schemas.openxmlformats.org/officeDocument/2006/relationships" xmlns:p="http://schemas.openxmlformats.org/presentationml/2006/main">
   <p:cSld>
+    <p:bg>
+      <p:bgPr>
+        <a:solidFill>
+          <a:schemeClr val="bg1"/>
+        </a:solidFill>
+        <a:effectLst/>
+      </p:bgPr>
+    </p:bg>
     <p:spTree>
       <p:nvGrpSpPr>
         <p:cNvPr id="1" name=""/>
@@ -3331,71 +3339,766 @@
           <a:chExt cx="0" cy="0"/>
         </a:xfrm>
       </p:grpSpPr>
-      <p:sp>
-        <p:nvSpPr>
-          <p:cNvPr id="2" name="slide1">
-            <a:extLst>
-              <a:ext uri="{FF2B5EF4-FFF2-40B4-BE49-F238E27FC236}">
-                <a16:creationId xmlns:a16="http://schemas.microsoft.com/office/drawing/2014/main" id="{C3F74F36-505C-422A-A477-054D7B340C57}"/>
-              </a:ext>
-            </a:extLst>
-          </p:cNvPr>
-          <p:cNvSpPr>
-            <a:spLocks noGrp="1"/>
-          </p:cNvSpPr>
-          <p:nvPr>
-            <p:ph type="ctrTitle"/>
-          </p:nvPr>
-        </p:nvSpPr>
-        <p:spPr/>
-        <p:txBody>
-          <a:bodyPr/>
-          <a:lstStyle/>
-          <a:p>
-            <a:r>
-              <a:rPr lang="en-US" dirty="0"/>
-              <a:t>Employment Dataset Project</a:t>
-            </a:r>
-            <a:br>
-              <a:rPr lang="en-US" dirty="0"/>
-            </a:br>
-            <a:r>
-              <a:rPr lang="en-US" dirty="0"/>
-              <a:t>Storyboard</a:t>
-            </a:r>
-            <a:endParaRPr dirty="0"/>
-          </a:p>
-        </p:txBody>
-      </p:sp>
-      <p:sp>
-        <p:nvSpPr>
-          <p:cNvPr id="3" name="slide1">
-            <a:extLst>
-              <a:ext uri="{FF2B5EF4-FFF2-40B4-BE49-F238E27FC236}">
-                <a16:creationId xmlns:a16="http://schemas.microsoft.com/office/drawing/2014/main" id="{EDD8FF16-F33D-43E6-BEA9-AE1F7310ECC5}"/>
-              </a:ext>
-            </a:extLst>
-          </p:cNvPr>
-          <p:cNvSpPr>
-            <a:spLocks noGrp="1"/>
-          </p:cNvSpPr>
-          <p:nvPr>
-            <p:ph type="subTitle" idx="1"/>
-          </p:nvPr>
-        </p:nvSpPr>
-        <p:spPr/>
-        <p:txBody>
-          <a:bodyPr/>
-          <a:lstStyle/>
-          <a:p>
-            <a:r>
-              <a:rPr lang="en-US" dirty="0"/>
-              <a:t>By Gavin Gunawardena</a:t>
-            </a:r>
-            <a:endParaRPr dirty="0"/>
-          </a:p>
-        </p:txBody>
-      </p:sp>
+      <p:sp useBgFill="1">
+        <p:nvSpPr>
+          <p:cNvPr id="23" name="Rectangle 22">
+            <a:extLst>
+              <a:ext uri="{FF2B5EF4-FFF2-40B4-BE49-F238E27FC236}">
+                <a16:creationId xmlns:a16="http://schemas.microsoft.com/office/drawing/2014/main" id="{2D2B266D-3625-4584-A5C3-7D3F672CFF30}"/>
+              </a:ext>
+              <a:ext uri="{C183D7F6-B498-43B3-948B-1728B52AA6E4}">
+                <adec:decorative xmlns:adec="http://schemas.microsoft.com/office/drawing/2017/decorative" val="1"/>
+              </a:ext>
+            </a:extLst>
+          </p:cNvPr>
+          <p:cNvSpPr>
+            <a:spLocks noGrp="1" noRot="1" noChangeAspect="1" noMove="1" noResize="1" noEditPoints="1" noAdjustHandles="1" noChangeArrowheads="1" noChangeShapeType="1" noTextEdit="1"/>
+          </p:cNvSpPr>
+          <p:nvPr>
+            <p:extLst>
+              <p:ext uri="{386F3935-93C4-4BCD-93E2-E3B085C9AB24}">
+                <p16:designElem xmlns:p16="http://schemas.microsoft.com/office/powerpoint/2015/main" val="1"/>
+              </p:ext>
+            </p:extLst>
+          </p:nvPr>
+        </p:nvSpPr>
+        <p:spPr>
+          <a:xfrm>
+            <a:off x="0" y="0"/>
+            <a:ext cx="12188952" cy="6858000"/>
+          </a:xfrm>
+          <a:prstGeom prst="rect">
+            <a:avLst/>
+          </a:prstGeom>
+          <a:ln>
+            <a:noFill/>
+          </a:ln>
+        </p:spPr>
+        <p:style>
+          <a:lnRef idx="2">
+            <a:schemeClr val="accent1">
+              <a:shade val="50000"/>
+            </a:schemeClr>
+          </a:lnRef>
+          <a:fillRef idx="1">
+            <a:schemeClr val="accent1"/>
+          </a:fillRef>
+          <a:effectRef idx="0">
+            <a:schemeClr val="accent1"/>
+          </a:effectRef>
+          <a:fontRef idx="minor">
+            <a:schemeClr val="lt1"/>
+          </a:fontRef>
+        </p:style>
+        <p:txBody>
+          <a:bodyPr rtlCol="0" anchor="ctr"/>
+          <a:lstStyle/>
+          <a:p>
+            <a:pPr algn="ctr"/>
+            <a:endParaRPr lang="en-US"/>
+          </a:p>
+        </p:txBody>
+      </p:sp>
+      <p:sp>
+        <p:nvSpPr>
+          <p:cNvPr id="25" name="Rectangle 24">
+            <a:extLst>
+              <a:ext uri="{FF2B5EF4-FFF2-40B4-BE49-F238E27FC236}">
+                <a16:creationId xmlns:a16="http://schemas.microsoft.com/office/drawing/2014/main" id="{C463B99A-73EE-4FBB-B7C4-F9F9BCC25C65}"/>
+              </a:ext>
+              <a:ext uri="{C183D7F6-B498-43B3-948B-1728B52AA6E4}">
+                <adec:decorative xmlns:adec="http://schemas.microsoft.com/office/drawing/2017/decorative" val="1"/>
+              </a:ext>
+            </a:extLst>
+          </p:cNvPr>
+          <p:cNvSpPr>
+            <a:spLocks noGrp="1" noRot="1" noChangeAspect="1" noMove="1" noResize="1" noEditPoints="1" noAdjustHandles="1" noChangeArrowheads="1" noChangeShapeType="1" noTextEdit="1"/>
+          </p:cNvSpPr>
+          <p:nvPr>
+            <p:extLst>
+              <p:ext uri="{386F3935-93C4-4BCD-93E2-E3B085C9AB24}">
+                <p16:designElem xmlns:p16="http://schemas.microsoft.com/office/powerpoint/2015/main" val="1"/>
+              </p:ext>
+            </p:extLst>
+          </p:nvPr>
+        </p:nvSpPr>
+        <p:spPr>
+          <a:xfrm>
+            <a:off x="0" y="0"/>
+            <a:ext cx="12188952" cy="6858000"/>
+          </a:xfrm>
+          <a:prstGeom prst="rect">
+            <a:avLst/>
+          </a:prstGeom>
+          <a:solidFill>
+            <a:schemeClr val="accent2"/>
+          </a:solidFill>
+          <a:ln>
+            <a:noFill/>
+          </a:ln>
+        </p:spPr>
+        <p:style>
+          <a:lnRef idx="2">
+            <a:schemeClr val="accent1">
+              <a:shade val="50000"/>
+            </a:schemeClr>
+          </a:lnRef>
+          <a:fillRef idx="1">
+            <a:schemeClr val="accent1"/>
+          </a:fillRef>
+          <a:effectRef idx="0">
+            <a:schemeClr val="accent1"/>
+          </a:effectRef>
+          <a:fontRef idx="minor">
+            <a:schemeClr val="lt1"/>
+          </a:fontRef>
+        </p:style>
+        <p:txBody>
+          <a:bodyPr rtlCol="0" anchor="ctr"/>
+          <a:lstStyle/>
+          <a:p>
+            <a:pPr algn="ctr"/>
+            <a:endParaRPr lang="en-US"/>
+          </a:p>
+        </p:txBody>
+      </p:sp>
+      <p:sp>
+        <p:nvSpPr>
+          <p:cNvPr id="27" name="Freeform: Shape 26">
+            <a:extLst>
+              <a:ext uri="{FF2B5EF4-FFF2-40B4-BE49-F238E27FC236}">
+                <a16:creationId xmlns:a16="http://schemas.microsoft.com/office/drawing/2014/main" id="{A5D2A5D1-BA0D-47D3-B051-DA7743C46E28}"/>
+              </a:ext>
+              <a:ext uri="{C183D7F6-B498-43B3-948B-1728B52AA6E4}">
+                <adec:decorative xmlns:adec="http://schemas.microsoft.com/office/drawing/2017/decorative" val="1"/>
+              </a:ext>
+            </a:extLst>
+          </p:cNvPr>
+          <p:cNvSpPr>
+            <a:spLocks noGrp="1" noRot="1" noChangeAspect="1" noMove="1" noResize="1" noEditPoints="1" noAdjustHandles="1" noChangeArrowheads="1" noChangeShapeType="1" noTextEdit="1"/>
+          </p:cNvSpPr>
+          <p:nvPr>
+            <p:extLst>
+              <p:ext uri="{386F3935-93C4-4BCD-93E2-E3B085C9AB24}">
+                <p16:designElem xmlns:p16="http://schemas.microsoft.com/office/powerpoint/2015/main" val="1"/>
+              </p:ext>
+            </p:extLst>
+          </p:nvPr>
+        </p:nvSpPr>
+        <p:spPr>
+          <a:xfrm>
+            <a:off x="0" y="0"/>
+            <a:ext cx="12192000" cy="6219825"/>
+          </a:xfrm>
+          <a:custGeom>
+            <a:avLst/>
+            <a:gdLst>
+              <a:gd name="connsiteX0" fmla="*/ 6789701 w 12192000"/>
+              <a:gd name="connsiteY0" fmla="*/ 6151588 h 6219825"/>
+              <a:gd name="connsiteX1" fmla="*/ 6788702 w 12192000"/>
+              <a:gd name="connsiteY1" fmla="*/ 6151666 h 6219825"/>
+              <a:gd name="connsiteX2" fmla="*/ 6788476 w 12192000"/>
+              <a:gd name="connsiteY2" fmla="*/ 6152200 h 6219825"/>
+              <a:gd name="connsiteX3" fmla="*/ 9834 w 12192000"/>
+              <a:gd name="connsiteY3" fmla="*/ 0 h 6219825"/>
+              <a:gd name="connsiteX4" fmla="*/ 12357 w 12192000"/>
+              <a:gd name="connsiteY4" fmla="*/ 1 h 6219825"/>
+              <a:gd name="connsiteX5" fmla="*/ 12192000 w 12192000"/>
+              <a:gd name="connsiteY5" fmla="*/ 1 h 6219825"/>
+              <a:gd name="connsiteX6" fmla="*/ 12192000 w 12192000"/>
+              <a:gd name="connsiteY6" fmla="*/ 5105401 h 6219825"/>
+              <a:gd name="connsiteX7" fmla="*/ 12191716 w 12192000"/>
+              <a:gd name="connsiteY7" fmla="*/ 5105401 h 6219825"/>
+              <a:gd name="connsiteX8" fmla="*/ 12192000 w 12192000"/>
+              <a:gd name="connsiteY8" fmla="*/ 5256977 h 6219825"/>
+              <a:gd name="connsiteX9" fmla="*/ 12061096 w 12192000"/>
+              <a:gd name="connsiteY9" fmla="*/ 5296034 h 6219825"/>
+              <a:gd name="connsiteX10" fmla="*/ 11676800 w 12192000"/>
+              <a:gd name="connsiteY10" fmla="*/ 5399652 h 6219825"/>
+              <a:gd name="connsiteX11" fmla="*/ 10425355 w 12192000"/>
+              <a:gd name="connsiteY11" fmla="*/ 5683310 h 6219825"/>
+              <a:gd name="connsiteX12" fmla="*/ 9424022 w 12192000"/>
+              <a:gd name="connsiteY12" fmla="*/ 5858546 h 6219825"/>
+              <a:gd name="connsiteX13" fmla="*/ 8458419 w 12192000"/>
+              <a:gd name="connsiteY13" fmla="*/ 5992303 h 6219825"/>
+              <a:gd name="connsiteX14" fmla="*/ 7715970 w 12192000"/>
+              <a:gd name="connsiteY14" fmla="*/ 6072283 h 6219825"/>
+              <a:gd name="connsiteX15" fmla="*/ 6951716 w 12192000"/>
+              <a:gd name="connsiteY15" fmla="*/ 6138091 h 6219825"/>
+              <a:gd name="connsiteX16" fmla="*/ 6936303 w 12192000"/>
+              <a:gd name="connsiteY16" fmla="*/ 6140163 h 6219825"/>
+              <a:gd name="connsiteX17" fmla="*/ 6790448 w 12192000"/>
+              <a:gd name="connsiteY17" fmla="*/ 6151529 h 6219825"/>
+              <a:gd name="connsiteX18" fmla="*/ 6799941 w 12192000"/>
+              <a:gd name="connsiteY18" fmla="*/ 6153349 h 6219825"/>
+              <a:gd name="connsiteX19" fmla="*/ 6835432 w 12192000"/>
+              <a:gd name="connsiteY19" fmla="*/ 6151642 h 6219825"/>
+              <a:gd name="connsiteX20" fmla="*/ 6884003 w 12192000"/>
+              <a:gd name="connsiteY20" fmla="*/ 6148662 h 6219825"/>
+              <a:gd name="connsiteX21" fmla="*/ 7578771 w 12192000"/>
+              <a:gd name="connsiteY21" fmla="*/ 6116122 h 6219825"/>
+              <a:gd name="connsiteX22" fmla="*/ 8623845 w 12192000"/>
+              <a:gd name="connsiteY22" fmla="*/ 6029188 h 6219825"/>
+              <a:gd name="connsiteX23" fmla="*/ 9479970 w 12192000"/>
+              <a:gd name="connsiteY23" fmla="*/ 5925239 h 6219825"/>
+              <a:gd name="connsiteX24" fmla="*/ 10629308 w 12192000"/>
+              <a:gd name="connsiteY24" fmla="*/ 5731000 h 6219825"/>
+              <a:gd name="connsiteX25" fmla="*/ 11998498 w 12192000"/>
+              <a:gd name="connsiteY25" fmla="*/ 5404869 h 6219825"/>
+              <a:gd name="connsiteX26" fmla="*/ 12192000 w 12192000"/>
+              <a:gd name="connsiteY26" fmla="*/ 5347846 h 6219825"/>
+              <a:gd name="connsiteX27" fmla="*/ 12192000 w 12192000"/>
+              <a:gd name="connsiteY27" fmla="*/ 5402606 h 6219825"/>
+              <a:gd name="connsiteX28" fmla="*/ 11829257 w 12192000"/>
+              <a:gd name="connsiteY28" fmla="*/ 5507950 h 6219825"/>
+              <a:gd name="connsiteX29" fmla="*/ 10939183 w 12192000"/>
+              <a:gd name="connsiteY29" fmla="*/ 5722555 h 6219825"/>
+              <a:gd name="connsiteX30" fmla="*/ 9985530 w 12192000"/>
+              <a:gd name="connsiteY30" fmla="*/ 5902635 h 6219825"/>
+              <a:gd name="connsiteX31" fmla="*/ 9186882 w 12192000"/>
+              <a:gd name="connsiteY31" fmla="*/ 6018631 h 6219825"/>
+              <a:gd name="connsiteX32" fmla="*/ 8578198 w 12192000"/>
+              <a:gd name="connsiteY32" fmla="*/ 6088179 h 6219825"/>
+              <a:gd name="connsiteX33" fmla="*/ 7864358 w 12192000"/>
+              <a:gd name="connsiteY33" fmla="*/ 6149656 h 6219825"/>
+              <a:gd name="connsiteX34" fmla="*/ 6935502 w 12192000"/>
+              <a:gd name="connsiteY34" fmla="*/ 6201071 h 6219825"/>
+              <a:gd name="connsiteX35" fmla="*/ 6477750 w 12192000"/>
+              <a:gd name="connsiteY35" fmla="*/ 6214980 h 6219825"/>
+              <a:gd name="connsiteX36" fmla="*/ 6362294 w 12192000"/>
+              <a:gd name="connsiteY36" fmla="*/ 6219825 h 6219825"/>
+              <a:gd name="connsiteX37" fmla="*/ 6057129 w 12192000"/>
+              <a:gd name="connsiteY37" fmla="*/ 6219825 h 6219825"/>
+              <a:gd name="connsiteX38" fmla="*/ 5977784 w 12192000"/>
+              <a:gd name="connsiteY38" fmla="*/ 6215229 h 6219825"/>
+              <a:gd name="connsiteX39" fmla="*/ 5265087 w 12192000"/>
+              <a:gd name="connsiteY39" fmla="*/ 6178965 h 6219825"/>
+              <a:gd name="connsiteX40" fmla="*/ 4346277 w 12192000"/>
+              <a:gd name="connsiteY40" fmla="*/ 6116869 h 6219825"/>
+              <a:gd name="connsiteX41" fmla="*/ 3373045 w 12192000"/>
+              <a:gd name="connsiteY41" fmla="*/ 6018259 h 6219825"/>
+              <a:gd name="connsiteX42" fmla="*/ 2362173 w 12192000"/>
+              <a:gd name="connsiteY42" fmla="*/ 5899282 h 6219825"/>
+              <a:gd name="connsiteX43" fmla="*/ 1233178 w 12192000"/>
+              <a:gd name="connsiteY43" fmla="*/ 5726033 h 6219825"/>
+              <a:gd name="connsiteX44" fmla="*/ 68500 w 12192000"/>
+              <a:gd name="connsiteY44" fmla="*/ 5486226 h 6219825"/>
+              <a:gd name="connsiteX45" fmla="*/ 0 w 12192000"/>
+              <a:gd name="connsiteY45" fmla="*/ 5468863 h 6219825"/>
+              <a:gd name="connsiteX46" fmla="*/ 0 w 12192000"/>
+              <a:gd name="connsiteY46" fmla="*/ 5412351 h 6219825"/>
+              <a:gd name="connsiteX47" fmla="*/ 72441 w 12192000"/>
+              <a:gd name="connsiteY47" fmla="*/ 5431135 h 6219825"/>
+              <a:gd name="connsiteX48" fmla="*/ 600716 w 12192000"/>
+              <a:gd name="connsiteY48" fmla="*/ 5549555 h 6219825"/>
+              <a:gd name="connsiteX49" fmla="*/ 1769512 w 12192000"/>
+              <a:gd name="connsiteY49" fmla="*/ 5759811 h 6219825"/>
+              <a:gd name="connsiteX50" fmla="*/ 2613554 w 12192000"/>
+              <a:gd name="connsiteY50" fmla="*/ 5876802 h 6219825"/>
+              <a:gd name="connsiteX51" fmla="*/ 2581134 w 12192000"/>
+              <a:gd name="connsiteY51" fmla="*/ 5866867 h 6219825"/>
+              <a:gd name="connsiteX52" fmla="*/ 1112635 w 12192000"/>
+              <a:gd name="connsiteY52" fmla="*/ 5534031 h 6219825"/>
+              <a:gd name="connsiteX53" fmla="*/ 420412 w 12192000"/>
+              <a:gd name="connsiteY53" fmla="*/ 5334514 h 6219825"/>
+              <a:gd name="connsiteX54" fmla="*/ 0 w 12192000"/>
+              <a:gd name="connsiteY54" fmla="*/ 5195539 h 6219825"/>
+              <a:gd name="connsiteX55" fmla="*/ 60 w 12192000"/>
+              <a:gd name="connsiteY55" fmla="*/ 5105401 h 6219825"/>
+              <a:gd name="connsiteX56" fmla="*/ 0 w 12192000"/>
+              <a:gd name="connsiteY56" fmla="*/ 5105401 h 6219825"/>
+              <a:gd name="connsiteX57" fmla="*/ 0 w 12192000"/>
+              <a:gd name="connsiteY57" fmla="*/ 1 h 6219825"/>
+              <a:gd name="connsiteX58" fmla="*/ 9834 w 12192000"/>
+              <a:gd name="connsiteY58" fmla="*/ 1 h 6219825"/>
+            </a:gdLst>
+            <a:ahLst/>
+            <a:cxnLst>
+              <a:cxn ang="0">
+                <a:pos x="connsiteX0" y="connsiteY0"/>
+              </a:cxn>
+              <a:cxn ang="0">
+                <a:pos x="connsiteX1" y="connsiteY1"/>
+              </a:cxn>
+              <a:cxn ang="0">
+                <a:pos x="connsiteX2" y="connsiteY2"/>
+              </a:cxn>
+              <a:cxn ang="0">
+                <a:pos x="connsiteX3" y="connsiteY3"/>
+              </a:cxn>
+              <a:cxn ang="0">
+                <a:pos x="connsiteX4" y="connsiteY4"/>
+              </a:cxn>
+              <a:cxn ang="0">
+                <a:pos x="connsiteX5" y="connsiteY5"/>
+              </a:cxn>
+              <a:cxn ang="0">
+                <a:pos x="connsiteX6" y="connsiteY6"/>
+              </a:cxn>
+              <a:cxn ang="0">
+                <a:pos x="connsiteX7" y="connsiteY7"/>
+              </a:cxn>
+              <a:cxn ang="0">
+                <a:pos x="connsiteX8" y="connsiteY8"/>
+              </a:cxn>
+              <a:cxn ang="0">
+                <a:pos x="connsiteX9" y="connsiteY9"/>
+              </a:cxn>
+              <a:cxn ang="0">
+                <a:pos x="connsiteX10" y="connsiteY10"/>
+              </a:cxn>
+              <a:cxn ang="0">
+                <a:pos x="connsiteX11" y="connsiteY11"/>
+              </a:cxn>
+              <a:cxn ang="0">
+                <a:pos x="connsiteX12" y="connsiteY12"/>
+              </a:cxn>
+              <a:cxn ang="0">
+                <a:pos x="connsiteX13" y="connsiteY13"/>
+              </a:cxn>
+              <a:cxn ang="0">
+                <a:pos x="connsiteX14" y="connsiteY14"/>
+              </a:cxn>
+              <a:cxn ang="0">
+                <a:pos x="connsiteX15" y="connsiteY15"/>
+              </a:cxn>
+              <a:cxn ang="0">
+                <a:pos x="connsiteX16" y="connsiteY16"/>
+              </a:cxn>
+              <a:cxn ang="0">
+                <a:pos x="connsiteX17" y="connsiteY17"/>
+              </a:cxn>
+              <a:cxn ang="0">
+                <a:pos x="connsiteX18" y="connsiteY18"/>
+              </a:cxn>
+              <a:cxn ang="0">
+                <a:pos x="connsiteX19" y="connsiteY19"/>
+              </a:cxn>
+              <a:cxn ang="0">
+                <a:pos x="connsiteX20" y="connsiteY20"/>
+              </a:cxn>
+              <a:cxn ang="0">
+                <a:pos x="connsiteX21" y="connsiteY21"/>
+              </a:cxn>
+              <a:cxn ang="0">
+                <a:pos x="connsiteX22" y="connsiteY22"/>
+              </a:cxn>
+              <a:cxn ang="0">
+                <a:pos x="connsiteX23" y="connsiteY23"/>
+              </a:cxn>
+              <a:cxn ang="0">
+                <a:pos x="connsiteX24" y="connsiteY24"/>
+              </a:cxn>
+              <a:cxn ang="0">
+                <a:pos x="connsiteX25" y="connsiteY25"/>
+              </a:cxn>
+              <a:cxn ang="0">
+                <a:pos x="connsiteX26" y="connsiteY26"/>
+              </a:cxn>
+              <a:cxn ang="0">
+                <a:pos x="connsiteX27" y="connsiteY27"/>
+              </a:cxn>
+              <a:cxn ang="0">
+                <a:pos x="connsiteX28" y="connsiteY28"/>
+              </a:cxn>
+              <a:cxn ang="0">
+                <a:pos x="connsiteX29" y="connsiteY29"/>
+              </a:cxn>
+              <a:cxn ang="0">
+                <a:pos x="connsiteX30" y="connsiteY30"/>
+              </a:cxn>
+              <a:cxn ang="0">
+                <a:pos x="connsiteX31" y="connsiteY31"/>
+              </a:cxn>
+              <a:cxn ang="0">
+                <a:pos x="connsiteX32" y="connsiteY32"/>
+              </a:cxn>
+              <a:cxn ang="0">
+                <a:pos x="connsiteX33" y="connsiteY33"/>
+              </a:cxn>
+              <a:cxn ang="0">
+                <a:pos x="connsiteX34" y="connsiteY34"/>
+              </a:cxn>
+              <a:cxn ang="0">
+                <a:pos x="connsiteX35" y="connsiteY35"/>
+              </a:cxn>
+              <a:cxn ang="0">
+                <a:pos x="connsiteX36" y="connsiteY36"/>
+              </a:cxn>
+              <a:cxn ang="0">
+                <a:pos x="connsiteX37" y="connsiteY37"/>
+              </a:cxn>
+              <a:cxn ang="0">
+                <a:pos x="connsiteX38" y="connsiteY38"/>
+              </a:cxn>
+              <a:cxn ang="0">
+                <a:pos x="connsiteX39" y="connsiteY39"/>
+              </a:cxn>
+              <a:cxn ang="0">
+                <a:pos x="connsiteX40" y="connsiteY40"/>
+              </a:cxn>
+              <a:cxn ang="0">
+                <a:pos x="connsiteX41" y="connsiteY41"/>
+              </a:cxn>
+              <a:cxn ang="0">
+                <a:pos x="connsiteX42" y="connsiteY42"/>
+              </a:cxn>
+              <a:cxn ang="0">
+                <a:pos x="connsiteX43" y="connsiteY43"/>
+              </a:cxn>
+              <a:cxn ang="0">
+                <a:pos x="connsiteX44" y="connsiteY44"/>
+              </a:cxn>
+              <a:cxn ang="0">
+                <a:pos x="connsiteX45" y="connsiteY45"/>
+              </a:cxn>
+              <a:cxn ang="0">
+                <a:pos x="connsiteX46" y="connsiteY46"/>
+              </a:cxn>
+              <a:cxn ang="0">
+                <a:pos x="connsiteX47" y="connsiteY47"/>
+              </a:cxn>
+              <a:cxn ang="0">
+                <a:pos x="connsiteX48" y="connsiteY48"/>
+              </a:cxn>
+              <a:cxn ang="0">
+                <a:pos x="connsiteX49" y="connsiteY49"/>
+              </a:cxn>
+              <a:cxn ang="0">
+                <a:pos x="connsiteX50" y="connsiteY50"/>
+              </a:cxn>
+              <a:cxn ang="0">
+                <a:pos x="connsiteX51" y="connsiteY51"/>
+              </a:cxn>
+              <a:cxn ang="0">
+                <a:pos x="connsiteX52" y="connsiteY52"/>
+              </a:cxn>
+              <a:cxn ang="0">
+                <a:pos x="connsiteX53" y="connsiteY53"/>
+              </a:cxn>
+              <a:cxn ang="0">
+                <a:pos x="connsiteX54" y="connsiteY54"/>
+              </a:cxn>
+              <a:cxn ang="0">
+                <a:pos x="connsiteX55" y="connsiteY55"/>
+              </a:cxn>
+              <a:cxn ang="0">
+                <a:pos x="connsiteX56" y="connsiteY56"/>
+              </a:cxn>
+              <a:cxn ang="0">
+                <a:pos x="connsiteX57" y="connsiteY57"/>
+              </a:cxn>
+              <a:cxn ang="0">
+                <a:pos x="connsiteX58" y="connsiteY58"/>
+              </a:cxn>
+            </a:cxnLst>
+            <a:rect l="l" t="t" r="r" b="b"/>
+            <a:pathLst>
+              <a:path w="12192000" h="6219825">
+                <a:moveTo>
+                  <a:pt x="6789701" y="6151588"/>
+                </a:moveTo>
+                <a:lnTo>
+                  <a:pt x="6788702" y="6151666"/>
+                </a:lnTo>
+                <a:cubicBezTo>
+                  <a:pt x="6788627" y="6151844"/>
+                  <a:pt x="6788551" y="6152022"/>
+                  <a:pt x="6788476" y="6152200"/>
+                </a:cubicBezTo>
+                <a:close/>
+                <a:moveTo>
+                  <a:pt x="9834" y="0"/>
+                </a:moveTo>
+                <a:lnTo>
+                  <a:pt x="12357" y="1"/>
+                </a:lnTo>
+                <a:lnTo>
+                  <a:pt x="12192000" y="1"/>
+                </a:lnTo>
+                <a:lnTo>
+                  <a:pt x="12192000" y="5105401"/>
+                </a:lnTo>
+                <a:lnTo>
+                  <a:pt x="12191716" y="5105401"/>
+                </a:lnTo>
+                <a:lnTo>
+                  <a:pt x="12192000" y="5256977"/>
+                </a:lnTo>
+                <a:lnTo>
+                  <a:pt x="12061096" y="5296034"/>
+                </a:lnTo>
+                <a:cubicBezTo>
+                  <a:pt x="11933500" y="5332263"/>
+                  <a:pt x="11805390" y="5366806"/>
+                  <a:pt x="11676800" y="5399652"/>
+                </a:cubicBezTo>
+                <a:cubicBezTo>
+                  <a:pt x="11262789" y="5507204"/>
+                  <a:pt x="10845343" y="5600846"/>
+                  <a:pt x="10425355" y="5683310"/>
+                </a:cubicBezTo>
+                <a:cubicBezTo>
+                  <a:pt x="10092810" y="5748549"/>
+                  <a:pt x="9759033" y="5806970"/>
+                  <a:pt x="9424022" y="5858546"/>
+                </a:cubicBezTo>
+                <a:cubicBezTo>
+                  <a:pt x="9102997" y="5908224"/>
+                  <a:pt x="8781133" y="5952809"/>
+                  <a:pt x="8458419" y="5992303"/>
+                </a:cubicBezTo>
+                <a:cubicBezTo>
+                  <a:pt x="8211360" y="6022481"/>
+                  <a:pt x="7963792" y="6048065"/>
+                  <a:pt x="7715970" y="6072283"/>
+                </a:cubicBezTo>
+                <a:lnTo>
+                  <a:pt x="6951716" y="6138091"/>
+                </a:lnTo>
+                <a:lnTo>
+                  <a:pt x="6936303" y="6140163"/>
+                </a:lnTo>
+                <a:lnTo>
+                  <a:pt x="6790448" y="6151529"/>
+                </a:lnTo>
+                <a:lnTo>
+                  <a:pt x="6799941" y="6153349"/>
+                </a:lnTo>
+                <a:cubicBezTo>
+                  <a:pt x="6811623" y="6153816"/>
+                  <a:pt x="6823734" y="6151642"/>
+                  <a:pt x="6835432" y="6151642"/>
+                </a:cubicBezTo>
+                <a:cubicBezTo>
+                  <a:pt x="6851580" y="6151642"/>
+                  <a:pt x="6867729" y="6149034"/>
+                  <a:pt x="6884003" y="6148662"/>
+                </a:cubicBezTo>
+                <a:cubicBezTo>
+                  <a:pt x="7115805" y="6143198"/>
+                  <a:pt x="7347351" y="6131026"/>
+                  <a:pt x="7578771" y="6116122"/>
+                </a:cubicBezTo>
+                <a:cubicBezTo>
+                  <a:pt x="7927552" y="6093644"/>
+                  <a:pt x="8276080" y="6065453"/>
+                  <a:pt x="8623845" y="6029188"/>
+                </a:cubicBezTo>
+                <a:cubicBezTo>
+                  <a:pt x="8909939" y="5999878"/>
+                  <a:pt x="9195310" y="5965228"/>
+                  <a:pt x="9479970" y="5925239"/>
+                </a:cubicBezTo>
+                <a:cubicBezTo>
+                  <a:pt x="9864901" y="5870842"/>
+                  <a:pt x="10248014" y="5806101"/>
+                  <a:pt x="10629308" y="5731000"/>
+                </a:cubicBezTo>
+                <a:cubicBezTo>
+                  <a:pt x="11090114" y="5639842"/>
+                  <a:pt x="11546975" y="5532291"/>
+                  <a:pt x="11998498" y="5404869"/>
+                </a:cubicBezTo>
+                <a:lnTo>
+                  <a:pt x="12192000" y="5347846"/>
+                </a:lnTo>
+                <a:lnTo>
+                  <a:pt x="12192000" y="5402606"/>
+                </a:lnTo>
+                <a:lnTo>
+                  <a:pt x="11829257" y="5507950"/>
+                </a:lnTo>
+                <a:cubicBezTo>
+                  <a:pt x="11534769" y="5587680"/>
+                  <a:pt x="11238120" y="5658596"/>
+                  <a:pt x="10939183" y="5722555"/>
+                </a:cubicBezTo>
+                <a:cubicBezTo>
+                  <a:pt x="10622824" y="5790365"/>
+                  <a:pt x="10304941" y="5850387"/>
+                  <a:pt x="9985530" y="5902635"/>
+                </a:cubicBezTo>
+                <a:cubicBezTo>
+                  <a:pt x="9720036" y="5946102"/>
+                  <a:pt x="9453814" y="5984764"/>
+                  <a:pt x="9186882" y="6018631"/>
+                </a:cubicBezTo>
+                <a:cubicBezTo>
+                  <a:pt x="8984197" y="6044216"/>
+                  <a:pt x="8781514" y="6068309"/>
+                  <a:pt x="8578198" y="6088179"/>
+                </a:cubicBezTo>
+                <a:lnTo>
+                  <a:pt x="7864358" y="6149656"/>
+                </a:lnTo>
+                <a:cubicBezTo>
+                  <a:pt x="7554994" y="6172009"/>
+                  <a:pt x="7245502" y="6189895"/>
+                  <a:pt x="6935502" y="6201071"/>
+                </a:cubicBezTo>
+                <a:lnTo>
+                  <a:pt x="6477750" y="6214980"/>
+                </a:lnTo>
+                <a:cubicBezTo>
+                  <a:pt x="6439195" y="6212895"/>
+                  <a:pt x="6400529" y="6214521"/>
+                  <a:pt x="6362294" y="6219825"/>
+                </a:cubicBezTo>
+                <a:lnTo>
+                  <a:pt x="6057129" y="6219825"/>
+                </a:lnTo>
+                <a:lnTo>
+                  <a:pt x="5977784" y="6215229"/>
+                </a:lnTo>
+                <a:lnTo>
+                  <a:pt x="5265087" y="6178965"/>
+                </a:lnTo>
+                <a:cubicBezTo>
+                  <a:pt x="4958267" y="6166544"/>
+                  <a:pt x="4651826" y="6146055"/>
+                  <a:pt x="4346277" y="6116869"/>
+                </a:cubicBezTo>
+                <a:lnTo>
+                  <a:pt x="3373045" y="6018259"/>
+                </a:lnTo>
+                <a:cubicBezTo>
+                  <a:pt x="3035412" y="5983982"/>
+                  <a:pt x="2698456" y="5944327"/>
+                  <a:pt x="2362173" y="5899282"/>
+                </a:cubicBezTo>
+                <a:cubicBezTo>
+                  <a:pt x="1984692" y="5849108"/>
+                  <a:pt x="1608364" y="5791358"/>
+                  <a:pt x="1233178" y="5726033"/>
+                </a:cubicBezTo>
+                <a:cubicBezTo>
+                  <a:pt x="842181" y="5657291"/>
+                  <a:pt x="453758" y="5578770"/>
+                  <a:pt x="68500" y="5486226"/>
+                </a:cubicBezTo>
+                <a:lnTo>
+                  <a:pt x="0" y="5468863"/>
+                </a:lnTo>
+                <a:lnTo>
+                  <a:pt x="0" y="5412351"/>
+                </a:lnTo>
+                <a:lnTo>
+                  <a:pt x="72441" y="5431135"/>
+                </a:lnTo>
+                <a:cubicBezTo>
+                  <a:pt x="247961" y="5473331"/>
+                  <a:pt x="424164" y="5512608"/>
+                  <a:pt x="600716" y="5549555"/>
+                </a:cubicBezTo>
+                <a:cubicBezTo>
+                  <a:pt x="988279" y="5630403"/>
+                  <a:pt x="1378133" y="5699330"/>
+                  <a:pt x="1769512" y="5759811"/>
+                </a:cubicBezTo>
+                <a:cubicBezTo>
+                  <a:pt x="2052426" y="5803406"/>
+                  <a:pt x="2335725" y="5843519"/>
+                  <a:pt x="2613554" y="5876802"/>
+                </a:cubicBezTo>
+                <a:cubicBezTo>
+                  <a:pt x="2605544" y="5879410"/>
+                  <a:pt x="2594611" y="5869350"/>
+                  <a:pt x="2581134" y="5866867"/>
+                </a:cubicBezTo>
+                <a:cubicBezTo>
+                  <a:pt x="2087178" y="5774877"/>
+                  <a:pt x="1597684" y="5663937"/>
+                  <a:pt x="1112635" y="5534031"/>
+                </a:cubicBezTo>
+                <a:cubicBezTo>
+                  <a:pt x="880453" y="5471934"/>
+                  <a:pt x="649713" y="5405428"/>
+                  <a:pt x="420412" y="5334514"/>
+                </a:cubicBezTo>
+                <a:lnTo>
+                  <a:pt x="0" y="5195539"/>
+                </a:lnTo>
+                <a:lnTo>
+                  <a:pt x="60" y="5105401"/>
+                </a:lnTo>
+                <a:lnTo>
+                  <a:pt x="0" y="5105401"/>
+                </a:lnTo>
+                <a:lnTo>
+                  <a:pt x="0" y="1"/>
+                </a:lnTo>
+                <a:lnTo>
+                  <a:pt x="9834" y="1"/>
+                </a:lnTo>
+                <a:close/>
+              </a:path>
+            </a:pathLst>
+          </a:custGeom>
+          <a:solidFill>
+            <a:schemeClr val="bg1"/>
+          </a:solidFill>
+          <a:ln>
+            <a:noFill/>
+          </a:ln>
+        </p:spPr>
+        <p:style>
+          <a:lnRef idx="2">
+            <a:schemeClr val="accent1">
+              <a:shade val="50000"/>
+            </a:schemeClr>
+          </a:lnRef>
+          <a:fillRef idx="1">
+            <a:schemeClr val="accent1"/>
+          </a:fillRef>
+          <a:effectRef idx="0">
+            <a:schemeClr val="accent1"/>
+          </a:effectRef>
+          <a:fontRef idx="minor">
+            <a:schemeClr val="lt1"/>
+          </a:fontRef>
+        </p:style>
+        <p:txBody>
+          <a:bodyPr wrap="square" rtlCol="0" anchor="ctr">
+            <a:noAutofit/>
+          </a:bodyPr>
+          <a:lstStyle/>
+          <a:p>
+            <a:pPr algn="ctr"/>
+            <a:endParaRPr lang="en-US"/>
+          </a:p>
+        </p:txBody>
+      </p:sp>
+      <p:pic>
+        <p:nvPicPr>
+          <p:cNvPr id="9" name="Picture 8" descr="Graphical user interface, text&#10;&#10;Description automatically generated with medium confidence">
+            <a:extLst>
+              <a:ext uri="{FF2B5EF4-FFF2-40B4-BE49-F238E27FC236}">
+                <a16:creationId xmlns:a16="http://schemas.microsoft.com/office/drawing/2014/main" id="{3FB27076-2C3A-77C9-BB90-86708CA9B3D5}"/>
+              </a:ext>
+            </a:extLst>
+          </p:cNvPr>
+          <p:cNvPicPr>
+            <a:picLocks noChangeAspect="1"/>
+          </p:cNvPicPr>
+          <p:nvPr/>
+        </p:nvPicPr>
+        <p:blipFill>
+          <a:blip r:embed="rId2"/>
+          <a:stretch>
+            <a:fillRect/>
+          </a:stretch>
+        </p:blipFill>
+        <p:spPr>
+          <a:xfrm>
+            <a:off x="298599" y="228600"/>
+            <a:ext cx="11518602" cy="4953000"/>
+          </a:xfrm>
+          <a:prstGeom prst="rect">
+            <a:avLst/>
+          </a:prstGeom>
+        </p:spPr>
+      </p:pic>
     </p:spTree>
     <p:extLst>
       <p:ext uri="{BB962C8B-B14F-4D97-AF65-F5344CB8AC3E}">
@@ -3431,7 +4134,7 @@
           <p:cNvPr id="2" name="slide2" descr="Story1">
             <a:extLst>
               <a:ext uri="{FF2B5EF4-FFF2-40B4-BE49-F238E27FC236}">
-                <a16:creationId xmlns:a16="http://schemas.microsoft.com/office/drawing/2014/main" id="{86A6B430-456F-4847-8197-A95E8A4C5790}"/>
+                <a16:creationId xmlns:a16="http://schemas.microsoft.com/office/drawing/2014/main" id="{150F8C0A-B26F-4D25-B230-30B3B6D210AB}"/>
               </a:ext>
             </a:extLst>
           </p:cNvPr>
@@ -3497,7 +4200,7 @@
           <p:cNvPr id="3" name="slide3" descr="Story2">
             <a:extLst>
               <a:ext uri="{FF2B5EF4-FFF2-40B4-BE49-F238E27FC236}">
-                <a16:creationId xmlns:a16="http://schemas.microsoft.com/office/drawing/2014/main" id="{0ABC146F-8579-47B6-8FF1-2AF1C323C9C5}"/>
+                <a16:creationId xmlns:a16="http://schemas.microsoft.com/office/drawing/2014/main" id="{D0D64941-F673-4428-A15B-D77A692A5D20}"/>
               </a:ext>
             </a:extLst>
           </p:cNvPr>
@@ -3563,7 +4266,7 @@
           <p:cNvPr id="4" name="slide4" descr="Story3">
             <a:extLst>
               <a:ext uri="{FF2B5EF4-FFF2-40B4-BE49-F238E27FC236}">
-                <a16:creationId xmlns:a16="http://schemas.microsoft.com/office/drawing/2014/main" id="{249866A9-127A-4B61-ACF7-FD296C0D1795}"/>
+                <a16:creationId xmlns:a16="http://schemas.microsoft.com/office/drawing/2014/main" id="{4BEA6C3B-BA5D-42B4-AD39-3A1ED6928635}"/>
               </a:ext>
             </a:extLst>
           </p:cNvPr>
@@ -3629,7 +4332,7 @@
           <p:cNvPr id="5" name="slide5" descr="Story4">
             <a:extLst>
               <a:ext uri="{FF2B5EF4-FFF2-40B4-BE49-F238E27FC236}">
-                <a16:creationId xmlns:a16="http://schemas.microsoft.com/office/drawing/2014/main" id="{A88A3A27-07A4-4138-8D03-E5E76E6E3E26}"/>
+                <a16:creationId xmlns:a16="http://schemas.microsoft.com/office/drawing/2014/main" id="{15D1D063-1C17-455C-99B7-05EBB8FBAC1C}"/>
               </a:ext>
             </a:extLst>
           </p:cNvPr>
@@ -3695,7 +4398,7 @@
           <p:cNvPr id="6" name="slide6" descr="Story5">
             <a:extLst>
               <a:ext uri="{FF2B5EF4-FFF2-40B4-BE49-F238E27FC236}">
-                <a16:creationId xmlns:a16="http://schemas.microsoft.com/office/drawing/2014/main" id="{5D4A4322-5CEF-422F-B1D1-883FA8B1D6E9}"/>
+                <a16:creationId xmlns:a16="http://schemas.microsoft.com/office/drawing/2014/main" id="{1C06FC88-8393-44BA-896F-799A50831C76}"/>
               </a:ext>
             </a:extLst>
           </p:cNvPr>

--- a/Tableau_&_PowerBI/INFS 776 - Data Visualization/Assignments/Project - Storyboard - Gavin Gunawardena.pptx
+++ b/Tableau_&_PowerBI/INFS 776 - Data Visualization/Assignments/Project - Storyboard - Gavin Gunawardena.pptx
@@ -3341,10 +3341,10 @@
       </p:grpSpPr>
       <p:sp useBgFill="1">
         <p:nvSpPr>
-          <p:cNvPr id="23" name="Rectangle 22">
-            <a:extLst>
-              <a:ext uri="{FF2B5EF4-FFF2-40B4-BE49-F238E27FC236}">
-                <a16:creationId xmlns:a16="http://schemas.microsoft.com/office/drawing/2014/main" id="{2D2B266D-3625-4584-A5C3-7D3F672CFF30}"/>
+          <p:cNvPr id="22" name="Rectangle 17">
+            <a:extLst>
+              <a:ext uri="{FF2B5EF4-FFF2-40B4-BE49-F238E27FC236}">
+                <a16:creationId xmlns:a16="http://schemas.microsoft.com/office/drawing/2014/main" id="{B7BD7FCF-A254-4A97-A15C-319B67622677}"/>
               </a:ext>
               <a:ext uri="{C183D7F6-B498-43B3-948B-1728B52AA6E4}">
                 <adec:decorative xmlns:adec="http://schemas.microsoft.com/office/drawing/2017/decorative" val="1"/>
@@ -3401,10 +3401,10 @@
       </p:sp>
       <p:sp>
         <p:nvSpPr>
-          <p:cNvPr id="25" name="Rectangle 24">
-            <a:extLst>
-              <a:ext uri="{FF2B5EF4-FFF2-40B4-BE49-F238E27FC236}">
-                <a16:creationId xmlns:a16="http://schemas.microsoft.com/office/drawing/2014/main" id="{C463B99A-73EE-4FBB-B7C4-F9F9BCC25C65}"/>
+          <p:cNvPr id="23" name="Freeform: Shape 19">
+            <a:extLst>
+              <a:ext uri="{FF2B5EF4-FFF2-40B4-BE49-F238E27FC236}">
+                <a16:creationId xmlns:a16="http://schemas.microsoft.com/office/drawing/2014/main" id="{52FFAF72-6204-4676-9C6F-9A4CC4D91805}"/>
               </a:ext>
               <a:ext uri="{C183D7F6-B498-43B3-948B-1728B52AA6E4}">
                 <adec:decorative xmlns:adec="http://schemas.microsoft.com/office/drawing/2017/decorative" val="1"/>
@@ -3423,194 +3423,199 @@
           </p:nvPr>
         </p:nvSpPr>
         <p:spPr>
-          <a:xfrm>
+          <a:xfrm flipH="1">
             <a:off x="0" y="0"/>
-            <a:ext cx="12188952" cy="6858000"/>
-          </a:xfrm>
-          <a:prstGeom prst="rect">
-            <a:avLst/>
-          </a:prstGeom>
-          <a:solidFill>
-            <a:schemeClr val="accent2"/>
-          </a:solidFill>
-          <a:ln>
-            <a:noFill/>
-          </a:ln>
-        </p:spPr>
-        <p:style>
-          <a:lnRef idx="2">
-            <a:schemeClr val="accent1">
-              <a:shade val="50000"/>
-            </a:schemeClr>
-          </a:lnRef>
-          <a:fillRef idx="1">
-            <a:schemeClr val="accent1"/>
-          </a:fillRef>
-          <a:effectRef idx="0">
-            <a:schemeClr val="accent1"/>
-          </a:effectRef>
-          <a:fontRef idx="minor">
-            <a:schemeClr val="lt1"/>
-          </a:fontRef>
-        </p:style>
-        <p:txBody>
-          <a:bodyPr rtlCol="0" anchor="ctr"/>
-          <a:lstStyle/>
-          <a:p>
-            <a:pPr algn="ctr"/>
-            <a:endParaRPr lang="en-US"/>
-          </a:p>
-        </p:txBody>
-      </p:sp>
-      <p:sp>
-        <p:nvSpPr>
-          <p:cNvPr id="27" name="Freeform: Shape 26">
-            <a:extLst>
-              <a:ext uri="{FF2B5EF4-FFF2-40B4-BE49-F238E27FC236}">
-                <a16:creationId xmlns:a16="http://schemas.microsoft.com/office/drawing/2014/main" id="{A5D2A5D1-BA0D-47D3-B051-DA7743C46E28}"/>
-              </a:ext>
-              <a:ext uri="{C183D7F6-B498-43B3-948B-1728B52AA6E4}">
-                <adec:decorative xmlns:adec="http://schemas.microsoft.com/office/drawing/2017/decorative" val="1"/>
-              </a:ext>
-            </a:extLst>
-          </p:cNvPr>
-          <p:cNvSpPr>
-            <a:spLocks noGrp="1" noRot="1" noChangeAspect="1" noMove="1" noResize="1" noEditPoints="1" noAdjustHandles="1" noChangeArrowheads="1" noChangeShapeType="1" noTextEdit="1"/>
-          </p:cNvSpPr>
-          <p:nvPr>
-            <p:extLst>
-              <p:ext uri="{386F3935-93C4-4BCD-93E2-E3B085C9AB24}">
-                <p16:designElem xmlns:p16="http://schemas.microsoft.com/office/powerpoint/2015/main" val="1"/>
-              </p:ext>
-            </p:extLst>
-          </p:nvPr>
-        </p:nvSpPr>
-        <p:spPr>
-          <a:xfrm>
-            <a:off x="0" y="0"/>
-            <a:ext cx="12192000" cy="6219825"/>
+            <a:ext cx="5962785" cy="6858000"/>
           </a:xfrm>
           <a:custGeom>
             <a:avLst/>
             <a:gdLst>
-              <a:gd name="connsiteX0" fmla="*/ 6789701 w 12192000"/>
-              <a:gd name="connsiteY0" fmla="*/ 6151588 h 6219825"/>
-              <a:gd name="connsiteX1" fmla="*/ 6788702 w 12192000"/>
-              <a:gd name="connsiteY1" fmla="*/ 6151666 h 6219825"/>
-              <a:gd name="connsiteX2" fmla="*/ 6788476 w 12192000"/>
-              <a:gd name="connsiteY2" fmla="*/ 6152200 h 6219825"/>
-              <a:gd name="connsiteX3" fmla="*/ 9834 w 12192000"/>
-              <a:gd name="connsiteY3" fmla="*/ 0 h 6219825"/>
-              <a:gd name="connsiteX4" fmla="*/ 12357 w 12192000"/>
-              <a:gd name="connsiteY4" fmla="*/ 1 h 6219825"/>
-              <a:gd name="connsiteX5" fmla="*/ 12192000 w 12192000"/>
-              <a:gd name="connsiteY5" fmla="*/ 1 h 6219825"/>
-              <a:gd name="connsiteX6" fmla="*/ 12192000 w 12192000"/>
-              <a:gd name="connsiteY6" fmla="*/ 5105401 h 6219825"/>
-              <a:gd name="connsiteX7" fmla="*/ 12191716 w 12192000"/>
-              <a:gd name="connsiteY7" fmla="*/ 5105401 h 6219825"/>
-              <a:gd name="connsiteX8" fmla="*/ 12192000 w 12192000"/>
-              <a:gd name="connsiteY8" fmla="*/ 5256977 h 6219825"/>
-              <a:gd name="connsiteX9" fmla="*/ 12061096 w 12192000"/>
-              <a:gd name="connsiteY9" fmla="*/ 5296034 h 6219825"/>
-              <a:gd name="connsiteX10" fmla="*/ 11676800 w 12192000"/>
-              <a:gd name="connsiteY10" fmla="*/ 5399652 h 6219825"/>
-              <a:gd name="connsiteX11" fmla="*/ 10425355 w 12192000"/>
-              <a:gd name="connsiteY11" fmla="*/ 5683310 h 6219825"/>
-              <a:gd name="connsiteX12" fmla="*/ 9424022 w 12192000"/>
-              <a:gd name="connsiteY12" fmla="*/ 5858546 h 6219825"/>
-              <a:gd name="connsiteX13" fmla="*/ 8458419 w 12192000"/>
-              <a:gd name="connsiteY13" fmla="*/ 5992303 h 6219825"/>
-              <a:gd name="connsiteX14" fmla="*/ 7715970 w 12192000"/>
-              <a:gd name="connsiteY14" fmla="*/ 6072283 h 6219825"/>
-              <a:gd name="connsiteX15" fmla="*/ 6951716 w 12192000"/>
-              <a:gd name="connsiteY15" fmla="*/ 6138091 h 6219825"/>
-              <a:gd name="connsiteX16" fmla="*/ 6936303 w 12192000"/>
-              <a:gd name="connsiteY16" fmla="*/ 6140163 h 6219825"/>
-              <a:gd name="connsiteX17" fmla="*/ 6790448 w 12192000"/>
-              <a:gd name="connsiteY17" fmla="*/ 6151529 h 6219825"/>
-              <a:gd name="connsiteX18" fmla="*/ 6799941 w 12192000"/>
-              <a:gd name="connsiteY18" fmla="*/ 6153349 h 6219825"/>
-              <a:gd name="connsiteX19" fmla="*/ 6835432 w 12192000"/>
-              <a:gd name="connsiteY19" fmla="*/ 6151642 h 6219825"/>
-              <a:gd name="connsiteX20" fmla="*/ 6884003 w 12192000"/>
-              <a:gd name="connsiteY20" fmla="*/ 6148662 h 6219825"/>
-              <a:gd name="connsiteX21" fmla="*/ 7578771 w 12192000"/>
-              <a:gd name="connsiteY21" fmla="*/ 6116122 h 6219825"/>
-              <a:gd name="connsiteX22" fmla="*/ 8623845 w 12192000"/>
-              <a:gd name="connsiteY22" fmla="*/ 6029188 h 6219825"/>
-              <a:gd name="connsiteX23" fmla="*/ 9479970 w 12192000"/>
-              <a:gd name="connsiteY23" fmla="*/ 5925239 h 6219825"/>
-              <a:gd name="connsiteX24" fmla="*/ 10629308 w 12192000"/>
-              <a:gd name="connsiteY24" fmla="*/ 5731000 h 6219825"/>
-              <a:gd name="connsiteX25" fmla="*/ 11998498 w 12192000"/>
-              <a:gd name="connsiteY25" fmla="*/ 5404869 h 6219825"/>
-              <a:gd name="connsiteX26" fmla="*/ 12192000 w 12192000"/>
-              <a:gd name="connsiteY26" fmla="*/ 5347846 h 6219825"/>
-              <a:gd name="connsiteX27" fmla="*/ 12192000 w 12192000"/>
-              <a:gd name="connsiteY27" fmla="*/ 5402606 h 6219825"/>
-              <a:gd name="connsiteX28" fmla="*/ 11829257 w 12192000"/>
-              <a:gd name="connsiteY28" fmla="*/ 5507950 h 6219825"/>
-              <a:gd name="connsiteX29" fmla="*/ 10939183 w 12192000"/>
-              <a:gd name="connsiteY29" fmla="*/ 5722555 h 6219825"/>
-              <a:gd name="connsiteX30" fmla="*/ 9985530 w 12192000"/>
-              <a:gd name="connsiteY30" fmla="*/ 5902635 h 6219825"/>
-              <a:gd name="connsiteX31" fmla="*/ 9186882 w 12192000"/>
-              <a:gd name="connsiteY31" fmla="*/ 6018631 h 6219825"/>
-              <a:gd name="connsiteX32" fmla="*/ 8578198 w 12192000"/>
-              <a:gd name="connsiteY32" fmla="*/ 6088179 h 6219825"/>
-              <a:gd name="connsiteX33" fmla="*/ 7864358 w 12192000"/>
-              <a:gd name="connsiteY33" fmla="*/ 6149656 h 6219825"/>
-              <a:gd name="connsiteX34" fmla="*/ 6935502 w 12192000"/>
-              <a:gd name="connsiteY34" fmla="*/ 6201071 h 6219825"/>
-              <a:gd name="connsiteX35" fmla="*/ 6477750 w 12192000"/>
-              <a:gd name="connsiteY35" fmla="*/ 6214980 h 6219825"/>
-              <a:gd name="connsiteX36" fmla="*/ 6362294 w 12192000"/>
-              <a:gd name="connsiteY36" fmla="*/ 6219825 h 6219825"/>
-              <a:gd name="connsiteX37" fmla="*/ 6057129 w 12192000"/>
-              <a:gd name="connsiteY37" fmla="*/ 6219825 h 6219825"/>
-              <a:gd name="connsiteX38" fmla="*/ 5977784 w 12192000"/>
-              <a:gd name="connsiteY38" fmla="*/ 6215229 h 6219825"/>
-              <a:gd name="connsiteX39" fmla="*/ 5265087 w 12192000"/>
-              <a:gd name="connsiteY39" fmla="*/ 6178965 h 6219825"/>
-              <a:gd name="connsiteX40" fmla="*/ 4346277 w 12192000"/>
-              <a:gd name="connsiteY40" fmla="*/ 6116869 h 6219825"/>
-              <a:gd name="connsiteX41" fmla="*/ 3373045 w 12192000"/>
-              <a:gd name="connsiteY41" fmla="*/ 6018259 h 6219825"/>
-              <a:gd name="connsiteX42" fmla="*/ 2362173 w 12192000"/>
-              <a:gd name="connsiteY42" fmla="*/ 5899282 h 6219825"/>
-              <a:gd name="connsiteX43" fmla="*/ 1233178 w 12192000"/>
-              <a:gd name="connsiteY43" fmla="*/ 5726033 h 6219825"/>
-              <a:gd name="connsiteX44" fmla="*/ 68500 w 12192000"/>
-              <a:gd name="connsiteY44" fmla="*/ 5486226 h 6219825"/>
-              <a:gd name="connsiteX45" fmla="*/ 0 w 12192000"/>
-              <a:gd name="connsiteY45" fmla="*/ 5468863 h 6219825"/>
-              <a:gd name="connsiteX46" fmla="*/ 0 w 12192000"/>
-              <a:gd name="connsiteY46" fmla="*/ 5412351 h 6219825"/>
-              <a:gd name="connsiteX47" fmla="*/ 72441 w 12192000"/>
-              <a:gd name="connsiteY47" fmla="*/ 5431135 h 6219825"/>
-              <a:gd name="connsiteX48" fmla="*/ 600716 w 12192000"/>
-              <a:gd name="connsiteY48" fmla="*/ 5549555 h 6219825"/>
-              <a:gd name="connsiteX49" fmla="*/ 1769512 w 12192000"/>
-              <a:gd name="connsiteY49" fmla="*/ 5759811 h 6219825"/>
-              <a:gd name="connsiteX50" fmla="*/ 2613554 w 12192000"/>
-              <a:gd name="connsiteY50" fmla="*/ 5876802 h 6219825"/>
-              <a:gd name="connsiteX51" fmla="*/ 2581134 w 12192000"/>
-              <a:gd name="connsiteY51" fmla="*/ 5866867 h 6219825"/>
-              <a:gd name="connsiteX52" fmla="*/ 1112635 w 12192000"/>
-              <a:gd name="connsiteY52" fmla="*/ 5534031 h 6219825"/>
-              <a:gd name="connsiteX53" fmla="*/ 420412 w 12192000"/>
-              <a:gd name="connsiteY53" fmla="*/ 5334514 h 6219825"/>
-              <a:gd name="connsiteX54" fmla="*/ 0 w 12192000"/>
-              <a:gd name="connsiteY54" fmla="*/ 5195539 h 6219825"/>
-              <a:gd name="connsiteX55" fmla="*/ 60 w 12192000"/>
-              <a:gd name="connsiteY55" fmla="*/ 5105401 h 6219825"/>
-              <a:gd name="connsiteX56" fmla="*/ 0 w 12192000"/>
-              <a:gd name="connsiteY56" fmla="*/ 5105401 h 6219825"/>
-              <a:gd name="connsiteX57" fmla="*/ 0 w 12192000"/>
-              <a:gd name="connsiteY57" fmla="*/ 1 h 6219825"/>
-              <a:gd name="connsiteX58" fmla="*/ 9834 w 12192000"/>
-              <a:gd name="connsiteY58" fmla="*/ 1 h 6219825"/>
+              <a:gd name="connsiteX0" fmla="*/ 1044839 w 5962785"/>
+              <a:gd name="connsiteY0" fmla="*/ 0 h 6858000"/>
+              <a:gd name="connsiteX1" fmla="*/ 5962785 w 5962785"/>
+              <a:gd name="connsiteY1" fmla="*/ 0 h 6858000"/>
+              <a:gd name="connsiteX2" fmla="*/ 5962785 w 5962785"/>
+              <a:gd name="connsiteY2" fmla="*/ 6858000 h 6858000"/>
+              <a:gd name="connsiteX3" fmla="*/ 1469886 w 5962785"/>
+              <a:gd name="connsiteY3" fmla="*/ 6858000 h 6858000"/>
+              <a:gd name="connsiteX4" fmla="*/ 1416006 w 5962785"/>
+              <a:gd name="connsiteY4" fmla="*/ 6823984 h 6858000"/>
+              <a:gd name="connsiteX5" fmla="*/ 1232473 w 5962785"/>
+              <a:gd name="connsiteY5" fmla="*/ 6733873 h 6858000"/>
+              <a:gd name="connsiteX6" fmla="*/ 1075471 w 5962785"/>
+              <a:gd name="connsiteY6" fmla="*/ 6503186 h 6858000"/>
+              <a:gd name="connsiteX7" fmla="*/ 1020229 w 5962785"/>
+              <a:gd name="connsiteY7" fmla="*/ 6438306 h 6858000"/>
+              <a:gd name="connsiteX8" fmla="*/ 883579 w 5962785"/>
+              <a:gd name="connsiteY8" fmla="*/ 6351798 h 6858000"/>
+              <a:gd name="connsiteX9" fmla="*/ 645167 w 5962785"/>
+              <a:gd name="connsiteY9" fmla="*/ 6167969 h 6858000"/>
+              <a:gd name="connsiteX10" fmla="*/ 732391 w 5962785"/>
+              <a:gd name="connsiteY10" fmla="*/ 6124716 h 6858000"/>
+              <a:gd name="connsiteX11" fmla="*/ 985339 w 5962785"/>
+              <a:gd name="connsiteY11" fmla="*/ 6236455 h 6858000"/>
+              <a:gd name="connsiteX12" fmla="*/ 1168509 w 5962785"/>
+              <a:gd name="connsiteY12" fmla="*/ 6265291 h 6858000"/>
+              <a:gd name="connsiteX13" fmla="*/ 909746 w 5962785"/>
+              <a:gd name="connsiteY13" fmla="*/ 6070649 h 6858000"/>
+              <a:gd name="connsiteX14" fmla="*/ 659704 w 5962785"/>
+              <a:gd name="connsiteY14" fmla="*/ 5818335 h 6858000"/>
+              <a:gd name="connsiteX15" fmla="*/ 851597 w 5962785"/>
+              <a:gd name="connsiteY15" fmla="*/ 5865193 h 6858000"/>
+              <a:gd name="connsiteX16" fmla="*/ 860319 w 5962785"/>
+              <a:gd name="connsiteY16" fmla="*/ 5832753 h 6858000"/>
+              <a:gd name="connsiteX17" fmla="*/ 691686 w 5962785"/>
+              <a:gd name="connsiteY17" fmla="*/ 5533581 h 6858000"/>
+              <a:gd name="connsiteX18" fmla="*/ 610278 w 5962785"/>
+              <a:gd name="connsiteY18" fmla="*/ 5411029 h 6858000"/>
+              <a:gd name="connsiteX19" fmla="*/ 238123 w 5962785"/>
+              <a:gd name="connsiteY19" fmla="*/ 5046976 h 6858000"/>
+              <a:gd name="connsiteX20" fmla="*/ 592833 w 5962785"/>
+              <a:gd name="connsiteY20" fmla="*/ 5209177 h 6858000"/>
+              <a:gd name="connsiteX21" fmla="*/ 226494 w 5962785"/>
+              <a:gd name="connsiteY21" fmla="*/ 4855939 h 6858000"/>
+              <a:gd name="connsiteX22" fmla="*/ 49139 w 5962785"/>
+              <a:gd name="connsiteY22" fmla="*/ 4726177 h 6858000"/>
+              <a:gd name="connsiteX23" fmla="*/ 5527 w 5962785"/>
+              <a:gd name="connsiteY23" fmla="*/ 4650483 h 6858000"/>
+              <a:gd name="connsiteX24" fmla="*/ 84029 w 5962785"/>
+              <a:gd name="connsiteY24" fmla="*/ 4632460 h 6858000"/>
+              <a:gd name="connsiteX25" fmla="*/ 325347 w 5962785"/>
+              <a:gd name="connsiteY25" fmla="*/ 4661296 h 6858000"/>
+              <a:gd name="connsiteX26" fmla="*/ 25879 w 5962785"/>
+              <a:gd name="connsiteY26" fmla="*/ 4423401 h 6858000"/>
+              <a:gd name="connsiteX27" fmla="*/ 249753 w 5962785"/>
+              <a:gd name="connsiteY27" fmla="*/ 4459446 h 6858000"/>
+              <a:gd name="connsiteX28" fmla="*/ 313718 w 5962785"/>
+              <a:gd name="connsiteY28" fmla="*/ 4365729 h 6858000"/>
+              <a:gd name="connsiteX29" fmla="*/ 418386 w 5962785"/>
+              <a:gd name="connsiteY29" fmla="*/ 4214341 h 6858000"/>
+              <a:gd name="connsiteX30" fmla="*/ 491072 w 5962785"/>
+              <a:gd name="connsiteY30" fmla="*/ 4131438 h 6858000"/>
+              <a:gd name="connsiteX31" fmla="*/ 520147 w 5962785"/>
+              <a:gd name="connsiteY31" fmla="*/ 3864706 h 6858000"/>
+              <a:gd name="connsiteX32" fmla="*/ 459090 w 5962785"/>
+              <a:gd name="connsiteY32" fmla="*/ 3572743 h 6858000"/>
+              <a:gd name="connsiteX33" fmla="*/ 290458 w 5962785"/>
+              <a:gd name="connsiteY33" fmla="*/ 3424959 h 6858000"/>
+              <a:gd name="connsiteX34" fmla="*/ 339884 w 5962785"/>
+              <a:gd name="connsiteY34" fmla="*/ 3259153 h 6858000"/>
+              <a:gd name="connsiteX35" fmla="*/ 697501 w 5962785"/>
+              <a:gd name="connsiteY35" fmla="*/ 3360078 h 6858000"/>
+              <a:gd name="connsiteX36" fmla="*/ 165437 w 5962785"/>
+              <a:gd name="connsiteY36" fmla="*/ 2967190 h 6858000"/>
+              <a:gd name="connsiteX37" fmla="*/ 255568 w 5962785"/>
+              <a:gd name="connsiteY37" fmla="*/ 2949167 h 6858000"/>
+              <a:gd name="connsiteX38" fmla="*/ 578296 w 5962785"/>
+              <a:gd name="connsiteY38" fmla="*/ 2725691 h 6858000"/>
+              <a:gd name="connsiteX39" fmla="*/ 595740 w 5962785"/>
+              <a:gd name="connsiteY39" fmla="*/ 2714876 h 6858000"/>
+              <a:gd name="connsiteX40" fmla="*/ 650982 w 5962785"/>
+              <a:gd name="connsiteY40" fmla="*/ 2574301 h 6858000"/>
+              <a:gd name="connsiteX41" fmla="*/ 825429 w 5962785"/>
+              <a:gd name="connsiteY41" fmla="*/ 2552674 h 6858000"/>
+              <a:gd name="connsiteX42" fmla="*/ 970802 w 5962785"/>
+              <a:gd name="connsiteY42" fmla="*/ 2585115 h 6858000"/>
+              <a:gd name="connsiteX43" fmla="*/ 1127805 w 5962785"/>
+              <a:gd name="connsiteY43" fmla="*/ 2545465 h 6858000"/>
+              <a:gd name="connsiteX44" fmla="*/ 1267362 w 5962785"/>
+              <a:gd name="connsiteY44" fmla="*/ 2563488 h 6858000"/>
+              <a:gd name="connsiteX45" fmla="*/ 1386568 w 5962785"/>
+              <a:gd name="connsiteY45" fmla="*/ 2538257 h 6858000"/>
+              <a:gd name="connsiteX46" fmla="*/ 1270270 w 5962785"/>
+              <a:gd name="connsiteY46" fmla="*/ 2419309 h 6858000"/>
+              <a:gd name="connsiteX47" fmla="*/ 1107453 w 5962785"/>
+              <a:gd name="connsiteY47" fmla="*/ 2419309 h 6858000"/>
+              <a:gd name="connsiteX48" fmla="*/ 991154 w 5962785"/>
+              <a:gd name="connsiteY48" fmla="*/ 2343615 h 6858000"/>
+              <a:gd name="connsiteX49" fmla="*/ 880671 w 5962785"/>
+              <a:gd name="connsiteY49" fmla="*/ 2206645 h 6858000"/>
+              <a:gd name="connsiteX50" fmla="*/ 491072 w 5962785"/>
+              <a:gd name="connsiteY50" fmla="*/ 1986771 h 6858000"/>
+              <a:gd name="connsiteX51" fmla="*/ 421293 w 5962785"/>
+              <a:gd name="connsiteY51" fmla="*/ 1903868 h 6858000"/>
+              <a:gd name="connsiteX52" fmla="*/ 1531941 w 5962785"/>
+              <a:gd name="connsiteY52" fmla="*/ 2224667 h 6858000"/>
+              <a:gd name="connsiteX53" fmla="*/ 1188861 w 5962785"/>
+              <a:gd name="connsiteY53" fmla="*/ 2091301 h 6858000"/>
+              <a:gd name="connsiteX54" fmla="*/ 1421458 w 5962785"/>
+              <a:gd name="connsiteY54" fmla="*/ 2116532 h 6858000"/>
+              <a:gd name="connsiteX55" fmla="*/ 1549386 w 5962785"/>
+              <a:gd name="connsiteY55" fmla="*/ 2026420 h 6858000"/>
+              <a:gd name="connsiteX56" fmla="*/ 1549386 w 5962785"/>
+              <a:gd name="connsiteY56" fmla="*/ 1997584 h 6858000"/>
+              <a:gd name="connsiteX57" fmla="*/ 1453440 w 5962785"/>
+              <a:gd name="connsiteY57" fmla="*/ 1914682 h 6858000"/>
+              <a:gd name="connsiteX58" fmla="*/ 1398198 w 5962785"/>
+              <a:gd name="connsiteY58" fmla="*/ 1860614 h 6858000"/>
+              <a:gd name="connsiteX59" fmla="*/ 1247011 w 5962785"/>
+              <a:gd name="connsiteY59" fmla="*/ 1665972 h 6858000"/>
+              <a:gd name="connsiteX60" fmla="*/ 1354586 w 5962785"/>
+              <a:gd name="connsiteY60" fmla="*/ 1644345 h 6858000"/>
+              <a:gd name="connsiteX61" fmla="*/ 1395290 w 5962785"/>
+              <a:gd name="connsiteY61" fmla="*/ 1604696 h 6858000"/>
+              <a:gd name="connsiteX62" fmla="*/ 1366216 w 5962785"/>
+              <a:gd name="connsiteY62" fmla="*/ 1547025 h 6858000"/>
+              <a:gd name="connsiteX63" fmla="*/ 1031858 w 5962785"/>
+              <a:gd name="connsiteY63" fmla="*/ 1370405 h 6858000"/>
+              <a:gd name="connsiteX64" fmla="*/ 1005692 w 5962785"/>
+              <a:gd name="connsiteY64" fmla="*/ 1233435 h 6858000"/>
+              <a:gd name="connsiteX65" fmla="*/ 1069655 w 5962785"/>
+              <a:gd name="connsiteY65" fmla="*/ 1211808 h 6858000"/>
+              <a:gd name="connsiteX66" fmla="*/ 1142342 w 5962785"/>
+              <a:gd name="connsiteY66" fmla="*/ 1222621 h 6858000"/>
+              <a:gd name="connsiteX67" fmla="*/ 1084193 w 5962785"/>
+              <a:gd name="connsiteY67" fmla="*/ 1114487 h 6858000"/>
+              <a:gd name="connsiteX68" fmla="*/ 848689 w 5962785"/>
+              <a:gd name="connsiteY68" fmla="*/ 1006353 h 6858000"/>
+              <a:gd name="connsiteX69" fmla="*/ 805077 w 5962785"/>
+              <a:gd name="connsiteY69" fmla="*/ 948681 h 6858000"/>
+              <a:gd name="connsiteX70" fmla="*/ 863226 w 5962785"/>
+              <a:gd name="connsiteY70" fmla="*/ 919844 h 6858000"/>
+              <a:gd name="connsiteX71" fmla="*/ 906838 w 5962785"/>
+              <a:gd name="connsiteY71" fmla="*/ 909031 h 6858000"/>
+              <a:gd name="connsiteX72" fmla="*/ 5527 w 5962785"/>
+              <a:gd name="connsiteY72" fmla="*/ 458471 h 6858000"/>
+              <a:gd name="connsiteX73" fmla="*/ 209049 w 5962785"/>
+              <a:gd name="connsiteY73" fmla="*/ 454867 h 6858000"/>
+              <a:gd name="connsiteX74" fmla="*/ 409664 w 5962785"/>
+              <a:gd name="connsiteY74" fmla="*/ 526956 h 6858000"/>
+              <a:gd name="connsiteX75" fmla="*/ 621908 w 5962785"/>
+              <a:gd name="connsiteY75" fmla="*/ 516143 h 6858000"/>
+              <a:gd name="connsiteX76" fmla="*/ 822522 w 5962785"/>
+              <a:gd name="connsiteY76" fmla="*/ 552188 h 6858000"/>
+              <a:gd name="connsiteX77" fmla="*/ 996969 w 5962785"/>
+              <a:gd name="connsiteY77" fmla="*/ 552188 h 6858000"/>
+              <a:gd name="connsiteX78" fmla="*/ 834151 w 5962785"/>
+              <a:gd name="connsiteY78" fmla="*/ 498120 h 6858000"/>
+              <a:gd name="connsiteX79" fmla="*/ 773095 w 5962785"/>
+              <a:gd name="connsiteY79" fmla="*/ 408008 h 6858000"/>
+              <a:gd name="connsiteX80" fmla="*/ 793447 w 5962785"/>
+              <a:gd name="connsiteY80" fmla="*/ 325106 h 6858000"/>
+              <a:gd name="connsiteX81" fmla="*/ 860319 w 5962785"/>
+              <a:gd name="connsiteY81" fmla="*/ 350336 h 6858000"/>
+              <a:gd name="connsiteX82" fmla="*/ 938820 w 5962785"/>
+              <a:gd name="connsiteY82" fmla="*/ 444054 h 6858000"/>
+              <a:gd name="connsiteX83" fmla="*/ 956265 w 5962785"/>
+              <a:gd name="connsiteY83" fmla="*/ 386381 h 6858000"/>
+              <a:gd name="connsiteX84" fmla="*/ 1002784 w 5962785"/>
+              <a:gd name="connsiteY84" fmla="*/ 343127 h 6858000"/>
+              <a:gd name="connsiteX85" fmla="*/ 1270270 w 5962785"/>
+              <a:gd name="connsiteY85" fmla="*/ 364755 h 6858000"/>
+              <a:gd name="connsiteX86" fmla="*/ 1092915 w 5962785"/>
+              <a:gd name="connsiteY86" fmla="*/ 180926 h 6858000"/>
+              <a:gd name="connsiteX87" fmla="*/ 979525 w 5962785"/>
+              <a:gd name="connsiteY87" fmla="*/ 152090 h 6858000"/>
+              <a:gd name="connsiteX88" fmla="*/ 953358 w 5962785"/>
+              <a:gd name="connsiteY88" fmla="*/ 76396 h 6858000"/>
+              <a:gd name="connsiteX89" fmla="*/ 1005692 w 5962785"/>
+              <a:gd name="connsiteY89" fmla="*/ 58373 h 6858000"/>
+              <a:gd name="connsiteX90" fmla="*/ 1267362 w 5962785"/>
+              <a:gd name="connsiteY90" fmla="*/ 123254 h 6858000"/>
+              <a:gd name="connsiteX91" fmla="*/ 1310975 w 5962785"/>
+              <a:gd name="connsiteY91" fmla="*/ 98023 h 6858000"/>
+              <a:gd name="connsiteX92" fmla="*/ 1159787 w 5962785"/>
+              <a:gd name="connsiteY92" fmla="*/ 43505 h 6858000"/>
             </a:gdLst>
             <a:ahLst/>
             <a:cxnLst>
@@ -3791,273 +3796,582 @@
               <a:cxn ang="0">
                 <a:pos x="connsiteX58" y="connsiteY58"/>
               </a:cxn>
+              <a:cxn ang="0">
+                <a:pos x="connsiteX59" y="connsiteY59"/>
+              </a:cxn>
+              <a:cxn ang="0">
+                <a:pos x="connsiteX60" y="connsiteY60"/>
+              </a:cxn>
+              <a:cxn ang="0">
+                <a:pos x="connsiteX61" y="connsiteY61"/>
+              </a:cxn>
+              <a:cxn ang="0">
+                <a:pos x="connsiteX62" y="connsiteY62"/>
+              </a:cxn>
+              <a:cxn ang="0">
+                <a:pos x="connsiteX63" y="connsiteY63"/>
+              </a:cxn>
+              <a:cxn ang="0">
+                <a:pos x="connsiteX64" y="connsiteY64"/>
+              </a:cxn>
+              <a:cxn ang="0">
+                <a:pos x="connsiteX65" y="connsiteY65"/>
+              </a:cxn>
+              <a:cxn ang="0">
+                <a:pos x="connsiteX66" y="connsiteY66"/>
+              </a:cxn>
+              <a:cxn ang="0">
+                <a:pos x="connsiteX67" y="connsiteY67"/>
+              </a:cxn>
+              <a:cxn ang="0">
+                <a:pos x="connsiteX68" y="connsiteY68"/>
+              </a:cxn>
+              <a:cxn ang="0">
+                <a:pos x="connsiteX69" y="connsiteY69"/>
+              </a:cxn>
+              <a:cxn ang="0">
+                <a:pos x="connsiteX70" y="connsiteY70"/>
+              </a:cxn>
+              <a:cxn ang="0">
+                <a:pos x="connsiteX71" y="connsiteY71"/>
+              </a:cxn>
+              <a:cxn ang="0">
+                <a:pos x="connsiteX72" y="connsiteY72"/>
+              </a:cxn>
+              <a:cxn ang="0">
+                <a:pos x="connsiteX73" y="connsiteY73"/>
+              </a:cxn>
+              <a:cxn ang="0">
+                <a:pos x="connsiteX74" y="connsiteY74"/>
+              </a:cxn>
+              <a:cxn ang="0">
+                <a:pos x="connsiteX75" y="connsiteY75"/>
+              </a:cxn>
+              <a:cxn ang="0">
+                <a:pos x="connsiteX76" y="connsiteY76"/>
+              </a:cxn>
+              <a:cxn ang="0">
+                <a:pos x="connsiteX77" y="connsiteY77"/>
+              </a:cxn>
+              <a:cxn ang="0">
+                <a:pos x="connsiteX78" y="connsiteY78"/>
+              </a:cxn>
+              <a:cxn ang="0">
+                <a:pos x="connsiteX79" y="connsiteY79"/>
+              </a:cxn>
+              <a:cxn ang="0">
+                <a:pos x="connsiteX80" y="connsiteY80"/>
+              </a:cxn>
+              <a:cxn ang="0">
+                <a:pos x="connsiteX81" y="connsiteY81"/>
+              </a:cxn>
+              <a:cxn ang="0">
+                <a:pos x="connsiteX82" y="connsiteY82"/>
+              </a:cxn>
+              <a:cxn ang="0">
+                <a:pos x="connsiteX83" y="connsiteY83"/>
+              </a:cxn>
+              <a:cxn ang="0">
+                <a:pos x="connsiteX84" y="connsiteY84"/>
+              </a:cxn>
+              <a:cxn ang="0">
+                <a:pos x="connsiteX85" y="connsiteY85"/>
+              </a:cxn>
+              <a:cxn ang="0">
+                <a:pos x="connsiteX86" y="connsiteY86"/>
+              </a:cxn>
+              <a:cxn ang="0">
+                <a:pos x="connsiteX87" y="connsiteY87"/>
+              </a:cxn>
+              <a:cxn ang="0">
+                <a:pos x="connsiteX88" y="connsiteY88"/>
+              </a:cxn>
+              <a:cxn ang="0">
+                <a:pos x="connsiteX89" y="connsiteY89"/>
+              </a:cxn>
+              <a:cxn ang="0">
+                <a:pos x="connsiteX90" y="connsiteY90"/>
+              </a:cxn>
+              <a:cxn ang="0">
+                <a:pos x="connsiteX91" y="connsiteY91"/>
+              </a:cxn>
+              <a:cxn ang="0">
+                <a:pos x="connsiteX92" y="connsiteY92"/>
+              </a:cxn>
             </a:cxnLst>
             <a:rect l="l" t="t" r="r" b="b"/>
             <a:pathLst>
-              <a:path w="12192000" h="6219825">
+              <a:path w="5962785" h="6858000">
                 <a:moveTo>
-                  <a:pt x="6789701" y="6151588"/>
+                  <a:pt x="1044839" y="0"/>
                 </a:moveTo>
                 <a:lnTo>
-                  <a:pt x="6788702" y="6151666"/>
-                </a:lnTo>
-                <a:cubicBezTo>
-                  <a:pt x="6788627" y="6151844"/>
-                  <a:pt x="6788551" y="6152022"/>
-                  <a:pt x="6788476" y="6152200"/>
-                </a:cubicBezTo>
-                <a:close/>
-                <a:moveTo>
-                  <a:pt x="9834" y="0"/>
-                </a:moveTo>
-                <a:lnTo>
-                  <a:pt x="12357" y="1"/>
+                  <a:pt x="5962785" y="0"/>
                 </a:lnTo>
                 <a:lnTo>
-                  <a:pt x="12192000" y="1"/>
+                  <a:pt x="5962785" y="6858000"/>
                 </a:lnTo>
                 <a:lnTo>
-                  <a:pt x="12192000" y="5105401"/>
+                  <a:pt x="1469886" y="6858000"/>
                 </a:lnTo>
                 <a:lnTo>
-                  <a:pt x="12191716" y="5105401"/>
+                  <a:pt x="1416006" y="6823984"/>
                 </a:lnTo>
-                <a:lnTo>
-                  <a:pt x="12192000" y="5256977"/>
-                </a:lnTo>
-                <a:lnTo>
-                  <a:pt x="12061096" y="5296034"/>
-                </a:lnTo>
-                <a:cubicBezTo>
-                  <a:pt x="11933500" y="5332263"/>
-                  <a:pt x="11805390" y="5366806"/>
-                  <a:pt x="11676800" y="5399652"/>
-                </a:cubicBezTo>
-                <a:cubicBezTo>
-                  <a:pt x="11262789" y="5507204"/>
-                  <a:pt x="10845343" y="5600846"/>
-                  <a:pt x="10425355" y="5683310"/>
-                </a:cubicBezTo>
-                <a:cubicBezTo>
-                  <a:pt x="10092810" y="5748549"/>
-                  <a:pt x="9759033" y="5806970"/>
-                  <a:pt x="9424022" y="5858546"/>
-                </a:cubicBezTo>
-                <a:cubicBezTo>
-                  <a:pt x="9102997" y="5908224"/>
-                  <a:pt x="8781133" y="5952809"/>
-                  <a:pt x="8458419" y="5992303"/>
-                </a:cubicBezTo>
-                <a:cubicBezTo>
-                  <a:pt x="8211360" y="6022481"/>
-                  <a:pt x="7963792" y="6048065"/>
-                  <a:pt x="7715970" y="6072283"/>
-                </a:cubicBezTo>
-                <a:lnTo>
-                  <a:pt x="6951716" y="6138091"/>
-                </a:lnTo>
-                <a:lnTo>
-                  <a:pt x="6936303" y="6140163"/>
-                </a:lnTo>
-                <a:lnTo>
-                  <a:pt x="6790448" y="6151529"/>
-                </a:lnTo>
-                <a:lnTo>
-                  <a:pt x="6799941" y="6153349"/>
-                </a:lnTo>
-                <a:cubicBezTo>
-                  <a:pt x="6811623" y="6153816"/>
-                  <a:pt x="6823734" y="6151642"/>
-                  <a:pt x="6835432" y="6151642"/>
-                </a:cubicBezTo>
-                <a:cubicBezTo>
-                  <a:pt x="6851580" y="6151642"/>
-                  <a:pt x="6867729" y="6149034"/>
-                  <a:pt x="6884003" y="6148662"/>
-                </a:cubicBezTo>
-                <a:cubicBezTo>
-                  <a:pt x="7115805" y="6143198"/>
-                  <a:pt x="7347351" y="6131026"/>
-                  <a:pt x="7578771" y="6116122"/>
-                </a:cubicBezTo>
-                <a:cubicBezTo>
-                  <a:pt x="7927552" y="6093644"/>
-                  <a:pt x="8276080" y="6065453"/>
-                  <a:pt x="8623845" y="6029188"/>
-                </a:cubicBezTo>
-                <a:cubicBezTo>
-                  <a:pt x="8909939" y="5999878"/>
-                  <a:pt x="9195310" y="5965228"/>
-                  <a:pt x="9479970" y="5925239"/>
-                </a:cubicBezTo>
-                <a:cubicBezTo>
-                  <a:pt x="9864901" y="5870842"/>
-                  <a:pt x="10248014" y="5806101"/>
-                  <a:pt x="10629308" y="5731000"/>
-                </a:cubicBezTo>
-                <a:cubicBezTo>
-                  <a:pt x="11090114" y="5639842"/>
-                  <a:pt x="11546975" y="5532291"/>
-                  <a:pt x="11998498" y="5404869"/>
-                </a:cubicBezTo>
-                <a:lnTo>
-                  <a:pt x="12192000" y="5347846"/>
-                </a:lnTo>
-                <a:lnTo>
-                  <a:pt x="12192000" y="5402606"/>
-                </a:lnTo>
-                <a:lnTo>
-                  <a:pt x="11829257" y="5507950"/>
-                </a:lnTo>
-                <a:cubicBezTo>
-                  <a:pt x="11534769" y="5587680"/>
-                  <a:pt x="11238120" y="5658596"/>
-                  <a:pt x="10939183" y="5722555"/>
-                </a:cubicBezTo>
-                <a:cubicBezTo>
-                  <a:pt x="10622824" y="5790365"/>
-                  <a:pt x="10304941" y="5850387"/>
-                  <a:pt x="9985530" y="5902635"/>
-                </a:cubicBezTo>
-                <a:cubicBezTo>
-                  <a:pt x="9720036" y="5946102"/>
-                  <a:pt x="9453814" y="5984764"/>
-                  <a:pt x="9186882" y="6018631"/>
-                </a:cubicBezTo>
-                <a:cubicBezTo>
-                  <a:pt x="8984197" y="6044216"/>
-                  <a:pt x="8781514" y="6068309"/>
-                  <a:pt x="8578198" y="6088179"/>
-                </a:cubicBezTo>
-                <a:lnTo>
-                  <a:pt x="7864358" y="6149656"/>
-                </a:lnTo>
-                <a:cubicBezTo>
-                  <a:pt x="7554994" y="6172009"/>
-                  <a:pt x="7245502" y="6189895"/>
-                  <a:pt x="6935502" y="6201071"/>
-                </a:cubicBezTo>
-                <a:lnTo>
-                  <a:pt x="6477750" y="6214980"/>
-                </a:lnTo>
-                <a:cubicBezTo>
-                  <a:pt x="6439195" y="6212895"/>
-                  <a:pt x="6400529" y="6214521"/>
-                  <a:pt x="6362294" y="6219825"/>
-                </a:cubicBezTo>
-                <a:lnTo>
-                  <a:pt x="6057129" y="6219825"/>
-                </a:lnTo>
-                <a:lnTo>
-                  <a:pt x="5977784" y="6215229"/>
-                </a:lnTo>
-                <a:lnTo>
-                  <a:pt x="5265087" y="6178965"/>
-                </a:lnTo>
-                <a:cubicBezTo>
-                  <a:pt x="4958267" y="6166544"/>
-                  <a:pt x="4651826" y="6146055"/>
-                  <a:pt x="4346277" y="6116869"/>
-                </a:cubicBezTo>
-                <a:lnTo>
-                  <a:pt x="3373045" y="6018259"/>
-                </a:lnTo>
-                <a:cubicBezTo>
-                  <a:pt x="3035412" y="5983982"/>
-                  <a:pt x="2698456" y="5944327"/>
-                  <a:pt x="2362173" y="5899282"/>
-                </a:cubicBezTo>
-                <a:cubicBezTo>
-                  <a:pt x="1984692" y="5849108"/>
-                  <a:pt x="1608364" y="5791358"/>
-                  <a:pt x="1233178" y="5726033"/>
-                </a:cubicBezTo>
-                <a:cubicBezTo>
-                  <a:pt x="842181" y="5657291"/>
-                  <a:pt x="453758" y="5578770"/>
-                  <a:pt x="68500" y="5486226"/>
-                </a:cubicBezTo>
-                <a:lnTo>
-                  <a:pt x="0" y="5468863"/>
-                </a:lnTo>
-                <a:lnTo>
-                  <a:pt x="0" y="5412351"/>
-                </a:lnTo>
-                <a:lnTo>
-                  <a:pt x="72441" y="5431135"/>
-                </a:lnTo>
-                <a:cubicBezTo>
-                  <a:pt x="247961" y="5473331"/>
-                  <a:pt x="424164" y="5512608"/>
-                  <a:pt x="600716" y="5549555"/>
-                </a:cubicBezTo>
-                <a:cubicBezTo>
-                  <a:pt x="988279" y="5630403"/>
-                  <a:pt x="1378133" y="5699330"/>
-                  <a:pt x="1769512" y="5759811"/>
-                </a:cubicBezTo>
-                <a:cubicBezTo>
-                  <a:pt x="2052426" y="5803406"/>
-                  <a:pt x="2335725" y="5843519"/>
-                  <a:pt x="2613554" y="5876802"/>
-                </a:cubicBezTo>
-                <a:cubicBezTo>
-                  <a:pt x="2605544" y="5879410"/>
-                  <a:pt x="2594611" y="5869350"/>
-                  <a:pt x="2581134" y="5866867"/>
-                </a:cubicBezTo>
-                <a:cubicBezTo>
-                  <a:pt x="2087178" y="5774877"/>
-                  <a:pt x="1597684" y="5663937"/>
-                  <a:pt x="1112635" y="5534031"/>
-                </a:cubicBezTo>
-                <a:cubicBezTo>
-                  <a:pt x="880453" y="5471934"/>
-                  <a:pt x="649713" y="5405428"/>
-                  <a:pt x="420412" y="5334514"/>
-                </a:cubicBezTo>
-                <a:lnTo>
-                  <a:pt x="0" y="5195539"/>
-                </a:lnTo>
-                <a:lnTo>
-                  <a:pt x="60" y="5105401"/>
-                </a:lnTo>
-                <a:lnTo>
-                  <a:pt x="0" y="5105401"/>
-                </a:lnTo>
-                <a:lnTo>
-                  <a:pt x="0" y="1"/>
-                </a:lnTo>
-                <a:lnTo>
-                  <a:pt x="9834" y="1"/>
-                </a:lnTo>
+                <a:cubicBezTo>
+                  <a:pt x="1356767" y="6787940"/>
+                  <a:pt x="1296437" y="6755500"/>
+                  <a:pt x="1232473" y="6733873"/>
+                </a:cubicBezTo>
+                <a:cubicBezTo>
+                  <a:pt x="1145250" y="6705037"/>
+                  <a:pt x="1060933" y="6654575"/>
+                  <a:pt x="1075471" y="6503186"/>
+                </a:cubicBezTo>
+                <a:cubicBezTo>
+                  <a:pt x="1078378" y="6459932"/>
+                  <a:pt x="1055118" y="6427493"/>
+                  <a:pt x="1020229" y="6438306"/>
+                </a:cubicBezTo>
+                <a:cubicBezTo>
+                  <a:pt x="953358" y="6459932"/>
+                  <a:pt x="921375" y="6398656"/>
+                  <a:pt x="883579" y="6351798"/>
+                </a:cubicBezTo>
+                <a:cubicBezTo>
+                  <a:pt x="816707" y="6268895"/>
+                  <a:pt x="752743" y="6182387"/>
+                  <a:pt x="645167" y="6167969"/>
+                </a:cubicBezTo>
+                <a:cubicBezTo>
+                  <a:pt x="665519" y="6103088"/>
+                  <a:pt x="700408" y="6110298"/>
+                  <a:pt x="732391" y="6124716"/>
+                </a:cubicBezTo>
+                <a:cubicBezTo>
+                  <a:pt x="816707" y="6160761"/>
+                  <a:pt x="901023" y="6200410"/>
+                  <a:pt x="985339" y="6236455"/>
+                </a:cubicBezTo>
+                <a:cubicBezTo>
+                  <a:pt x="1040581" y="6258081"/>
+                  <a:pt x="1095822" y="6290522"/>
+                  <a:pt x="1168509" y="6265291"/>
+                </a:cubicBezTo>
+                <a:cubicBezTo>
+                  <a:pt x="1104545" y="6135530"/>
+                  <a:pt x="996969" y="6110298"/>
+                  <a:pt x="909746" y="6070649"/>
+                </a:cubicBezTo>
+                <a:cubicBezTo>
+                  <a:pt x="802169" y="6020185"/>
+                  <a:pt x="738206" y="5926470"/>
+                  <a:pt x="659704" y="5818335"/>
+                </a:cubicBezTo>
+                <a:cubicBezTo>
+                  <a:pt x="738206" y="5789500"/>
+                  <a:pt x="787632" y="5868798"/>
+                  <a:pt x="851597" y="5865193"/>
+                </a:cubicBezTo>
+                <a:cubicBezTo>
+                  <a:pt x="854504" y="5854380"/>
+                  <a:pt x="860319" y="5832753"/>
+                  <a:pt x="860319" y="5832753"/>
+                </a:cubicBezTo>
+                <a:cubicBezTo>
+                  <a:pt x="755650" y="5775081"/>
+                  <a:pt x="709132" y="5666947"/>
+                  <a:pt x="691686" y="5533581"/>
+                </a:cubicBezTo>
+                <a:cubicBezTo>
+                  <a:pt x="685872" y="5465095"/>
+                  <a:pt x="648075" y="5443468"/>
+                  <a:pt x="610278" y="5411029"/>
+                </a:cubicBezTo>
+                <a:cubicBezTo>
+                  <a:pt x="482350" y="5299289"/>
+                  <a:pt x="345700" y="5198364"/>
+                  <a:pt x="238123" y="5046976"/>
+                </a:cubicBezTo>
+                <a:cubicBezTo>
+                  <a:pt x="363144" y="5064998"/>
+                  <a:pt x="461997" y="5165924"/>
+                  <a:pt x="592833" y="5209177"/>
+                </a:cubicBezTo>
+                <a:cubicBezTo>
+                  <a:pt x="488165" y="5043371"/>
+                  <a:pt x="351514" y="4956864"/>
+                  <a:pt x="226494" y="4855939"/>
+                </a:cubicBezTo>
+                <a:cubicBezTo>
+                  <a:pt x="168344" y="4809081"/>
+                  <a:pt x="116011" y="4751408"/>
+                  <a:pt x="49139" y="4726177"/>
+                </a:cubicBezTo>
+                <a:cubicBezTo>
+                  <a:pt x="25879" y="4718968"/>
+                  <a:pt x="-14825" y="4700947"/>
+                  <a:pt x="5527" y="4650483"/>
+                </a:cubicBezTo>
+                <a:cubicBezTo>
+                  <a:pt x="22972" y="4607230"/>
+                  <a:pt x="54954" y="4621648"/>
+                  <a:pt x="84029" y="4632460"/>
+                </a:cubicBezTo>
+                <a:cubicBezTo>
+                  <a:pt x="153807" y="4661296"/>
+                  <a:pt x="229401" y="4661296"/>
+                  <a:pt x="325347" y="4661296"/>
+                </a:cubicBezTo>
+                <a:cubicBezTo>
+                  <a:pt x="243939" y="4524326"/>
+                  <a:pt x="95658" y="4567580"/>
+                  <a:pt x="25879" y="4423401"/>
+                </a:cubicBezTo>
+                <a:cubicBezTo>
+                  <a:pt x="113103" y="4398170"/>
+                  <a:pt x="179975" y="4448632"/>
+                  <a:pt x="249753" y="4459446"/>
+                </a:cubicBezTo>
+                <a:cubicBezTo>
+                  <a:pt x="313718" y="4470259"/>
+                  <a:pt x="328254" y="4445028"/>
+                  <a:pt x="313718" y="4365729"/>
+                </a:cubicBezTo>
+                <a:cubicBezTo>
+                  <a:pt x="290458" y="4243177"/>
+                  <a:pt x="325347" y="4181900"/>
+                  <a:pt x="418386" y="4214341"/>
+                </a:cubicBezTo>
+                <a:cubicBezTo>
+                  <a:pt x="505609" y="4246781"/>
+                  <a:pt x="514332" y="4199922"/>
+                  <a:pt x="491072" y="4131438"/>
+                </a:cubicBezTo>
+                <a:cubicBezTo>
+                  <a:pt x="456183" y="4030512"/>
+                  <a:pt x="493979" y="3951214"/>
+                  <a:pt x="520147" y="3864706"/>
+                </a:cubicBezTo>
+                <a:cubicBezTo>
+                  <a:pt x="560851" y="3734945"/>
+                  <a:pt x="543407" y="3670064"/>
+                  <a:pt x="459090" y="3572743"/>
+                </a:cubicBezTo>
+                <a:cubicBezTo>
+                  <a:pt x="409664" y="3518676"/>
+                  <a:pt x="360236" y="3471818"/>
+                  <a:pt x="290458" y="3424959"/>
+                </a:cubicBezTo>
+                <a:cubicBezTo>
+                  <a:pt x="450368" y="3399728"/>
+                  <a:pt x="284643" y="3313221"/>
+                  <a:pt x="339884" y="3259153"/>
+                </a:cubicBezTo>
+                <a:cubicBezTo>
+                  <a:pt x="453275" y="3237527"/>
+                  <a:pt x="543407" y="3410542"/>
+                  <a:pt x="697501" y="3360078"/>
+                </a:cubicBezTo>
+                <a:cubicBezTo>
+                  <a:pt x="511425" y="3212294"/>
+                  <a:pt x="302087" y="3165436"/>
+                  <a:pt x="165437" y="2967190"/>
+                </a:cubicBezTo>
+                <a:cubicBezTo>
+                  <a:pt x="197419" y="2923937"/>
+                  <a:pt x="229401" y="2967190"/>
+                  <a:pt x="255568" y="2949167"/>
+                </a:cubicBezTo>
+                <a:cubicBezTo>
+                  <a:pt x="255568" y="2938354"/>
+                  <a:pt x="560851" y="3006840"/>
+                  <a:pt x="578296" y="2725691"/>
+                </a:cubicBezTo>
+                <a:cubicBezTo>
+                  <a:pt x="584111" y="2725691"/>
+                  <a:pt x="589926" y="2725691"/>
+                  <a:pt x="595740" y="2714876"/>
+                </a:cubicBezTo>
+                <a:cubicBezTo>
+                  <a:pt x="627722" y="2675228"/>
+                  <a:pt x="598648" y="2581510"/>
+                  <a:pt x="650982" y="2574301"/>
+                </a:cubicBezTo>
+                <a:cubicBezTo>
+                  <a:pt x="709132" y="2567092"/>
+                  <a:pt x="764373" y="2534653"/>
+                  <a:pt x="825429" y="2552674"/>
+                </a:cubicBezTo>
+                <a:cubicBezTo>
+                  <a:pt x="871949" y="2567092"/>
+                  <a:pt x="921375" y="2585115"/>
+                  <a:pt x="970802" y="2585115"/>
+                </a:cubicBezTo>
+                <a:cubicBezTo>
+                  <a:pt x="1023136" y="2585115"/>
+                  <a:pt x="1095822" y="2707668"/>
+                  <a:pt x="1127805" y="2545465"/>
+                </a:cubicBezTo>
+                <a:cubicBezTo>
+                  <a:pt x="1127805" y="2538257"/>
+                  <a:pt x="1217936" y="2556280"/>
+                  <a:pt x="1267362" y="2563488"/>
+                </a:cubicBezTo>
+                <a:cubicBezTo>
+                  <a:pt x="1308067" y="2570698"/>
+                  <a:pt x="1357494" y="2603137"/>
+                  <a:pt x="1386568" y="2538257"/>
+                </a:cubicBezTo>
+                <a:cubicBezTo>
+                  <a:pt x="1401105" y="2498607"/>
+                  <a:pt x="1331326" y="2426518"/>
+                  <a:pt x="1270270" y="2419309"/>
+                </a:cubicBezTo>
+                <a:cubicBezTo>
+                  <a:pt x="1215029" y="2412101"/>
+                  <a:pt x="1159787" y="2404892"/>
+                  <a:pt x="1107453" y="2419309"/>
+                </a:cubicBezTo>
+                <a:cubicBezTo>
+                  <a:pt x="1043489" y="2437331"/>
+                  <a:pt x="1008599" y="2408495"/>
+                  <a:pt x="991154" y="2343615"/>
+                </a:cubicBezTo>
+                <a:cubicBezTo>
+                  <a:pt x="970802" y="2275131"/>
+                  <a:pt x="933005" y="2239085"/>
+                  <a:pt x="880671" y="2206645"/>
+                </a:cubicBezTo>
+                <a:cubicBezTo>
+                  <a:pt x="752743" y="2127346"/>
+                  <a:pt x="630630" y="2033629"/>
+                  <a:pt x="491072" y="1986771"/>
+                </a:cubicBezTo>
+                <a:cubicBezTo>
+                  <a:pt x="464905" y="1979562"/>
+                  <a:pt x="432923" y="1965145"/>
+                  <a:pt x="421293" y="1903868"/>
+                </a:cubicBezTo>
+                <a:cubicBezTo>
+                  <a:pt x="799262" y="1997584"/>
+                  <a:pt x="1142342" y="2239085"/>
+                  <a:pt x="1531941" y="2224667"/>
+                </a:cubicBezTo>
+                <a:cubicBezTo>
+                  <a:pt x="1427272" y="2148974"/>
+                  <a:pt x="1302252" y="2145369"/>
+                  <a:pt x="1188861" y="2091301"/>
+                </a:cubicBezTo>
+                <a:cubicBezTo>
+                  <a:pt x="1270270" y="2051652"/>
+                  <a:pt x="1345864" y="2094906"/>
+                  <a:pt x="1421458" y="2116532"/>
+                </a:cubicBezTo>
+                <a:cubicBezTo>
+                  <a:pt x="1485422" y="2134554"/>
+                  <a:pt x="1543571" y="2138160"/>
+                  <a:pt x="1549386" y="2026420"/>
+                </a:cubicBezTo>
+                <a:cubicBezTo>
+                  <a:pt x="1549386" y="2015607"/>
+                  <a:pt x="1549386" y="2008398"/>
+                  <a:pt x="1549386" y="1997584"/>
+                </a:cubicBezTo>
+                <a:cubicBezTo>
+                  <a:pt x="1526126" y="1950727"/>
+                  <a:pt x="1494144" y="1929099"/>
+                  <a:pt x="1453440" y="1914682"/>
+                </a:cubicBezTo>
+                <a:cubicBezTo>
+                  <a:pt x="1430180" y="1907473"/>
+                  <a:pt x="1398198" y="1893056"/>
+                  <a:pt x="1398198" y="1860614"/>
+                </a:cubicBezTo>
+                <a:cubicBezTo>
+                  <a:pt x="1401105" y="1738063"/>
+                  <a:pt x="1322604" y="1702018"/>
+                  <a:pt x="1247011" y="1665972"/>
+                </a:cubicBezTo>
+                <a:cubicBezTo>
+                  <a:pt x="1287715" y="1604696"/>
+                  <a:pt x="1322604" y="1647950"/>
+                  <a:pt x="1354586" y="1644345"/>
+                </a:cubicBezTo>
+                <a:cubicBezTo>
+                  <a:pt x="1374939" y="1640741"/>
+                  <a:pt x="1395290" y="1637138"/>
+                  <a:pt x="1395290" y="1604696"/>
+                </a:cubicBezTo>
+                <a:cubicBezTo>
+                  <a:pt x="1395290" y="1579465"/>
+                  <a:pt x="1386568" y="1547025"/>
+                  <a:pt x="1366216" y="1547025"/>
+                </a:cubicBezTo>
+                <a:cubicBezTo>
+                  <a:pt x="1238288" y="1543420"/>
+                  <a:pt x="1165601" y="1370405"/>
+                  <a:pt x="1031858" y="1370405"/>
+                </a:cubicBezTo>
+                <a:cubicBezTo>
+                  <a:pt x="950450" y="1370405"/>
+                  <a:pt x="1072563" y="1273083"/>
+                  <a:pt x="1005692" y="1233435"/>
+                </a:cubicBezTo>
+                <a:cubicBezTo>
+                  <a:pt x="991154" y="1222621"/>
+                  <a:pt x="1046396" y="1208203"/>
+                  <a:pt x="1069655" y="1211808"/>
+                </a:cubicBezTo>
+                <a:cubicBezTo>
+                  <a:pt x="1092915" y="1215412"/>
+                  <a:pt x="1113268" y="1240644"/>
+                  <a:pt x="1142342" y="1222621"/>
+                </a:cubicBezTo>
+                <a:cubicBezTo>
+                  <a:pt x="1156879" y="1157741"/>
+                  <a:pt x="1119082" y="1132510"/>
+                  <a:pt x="1084193" y="1114487"/>
+                </a:cubicBezTo>
+                <a:cubicBezTo>
+                  <a:pt x="1008599" y="1071234"/>
+                  <a:pt x="933005" y="1020771"/>
+                  <a:pt x="848689" y="1006353"/>
+                </a:cubicBezTo>
+                <a:cubicBezTo>
+                  <a:pt x="819615" y="1002748"/>
+                  <a:pt x="802169" y="984726"/>
+                  <a:pt x="805077" y="948681"/>
+                </a:cubicBezTo>
+                <a:cubicBezTo>
+                  <a:pt x="810892" y="901822"/>
+                  <a:pt x="839967" y="916240"/>
+                  <a:pt x="863226" y="919844"/>
+                </a:cubicBezTo>
+                <a:cubicBezTo>
+                  <a:pt x="877764" y="923450"/>
+                  <a:pt x="892301" y="934263"/>
+                  <a:pt x="906838" y="909031"/>
+                </a:cubicBezTo>
+                <a:cubicBezTo>
+                  <a:pt x="566666" y="653113"/>
+                  <a:pt x="386404" y="667532"/>
+                  <a:pt x="5527" y="458471"/>
+                </a:cubicBezTo>
+                <a:cubicBezTo>
+                  <a:pt x="89843" y="418822"/>
+                  <a:pt x="150900" y="447658"/>
+                  <a:pt x="209049" y="454867"/>
+                </a:cubicBezTo>
+                <a:cubicBezTo>
+                  <a:pt x="354422" y="472890"/>
+                  <a:pt x="264290" y="505329"/>
+                  <a:pt x="409664" y="526956"/>
+                </a:cubicBezTo>
+                <a:cubicBezTo>
+                  <a:pt x="479443" y="537770"/>
+                  <a:pt x="543407" y="573815"/>
+                  <a:pt x="621908" y="516143"/>
+                </a:cubicBezTo>
+                <a:cubicBezTo>
+                  <a:pt x="674242" y="476494"/>
+                  <a:pt x="758558" y="519747"/>
+                  <a:pt x="822522" y="552188"/>
+                </a:cubicBezTo>
+                <a:cubicBezTo>
+                  <a:pt x="874856" y="581024"/>
+                  <a:pt x="927190" y="588232"/>
+                  <a:pt x="996969" y="552188"/>
+                </a:cubicBezTo>
+                <a:cubicBezTo>
+                  <a:pt x="933005" y="530562"/>
+                  <a:pt x="883579" y="512539"/>
+                  <a:pt x="834151" y="498120"/>
+                </a:cubicBezTo>
+                <a:cubicBezTo>
+                  <a:pt x="793447" y="487307"/>
+                  <a:pt x="770187" y="462076"/>
+                  <a:pt x="773095" y="408008"/>
+                </a:cubicBezTo>
+                <a:cubicBezTo>
+                  <a:pt x="773095" y="379172"/>
+                  <a:pt x="764373" y="339523"/>
+                  <a:pt x="793447" y="325106"/>
+                </a:cubicBezTo>
+                <a:cubicBezTo>
+                  <a:pt x="816707" y="310688"/>
+                  <a:pt x="848689" y="325106"/>
+                  <a:pt x="860319" y="350336"/>
+                </a:cubicBezTo>
+                <a:cubicBezTo>
+                  <a:pt x="874856" y="397195"/>
+                  <a:pt x="889393" y="440449"/>
+                  <a:pt x="938820" y="444054"/>
+                </a:cubicBezTo>
+                <a:cubicBezTo>
+                  <a:pt x="1005692" y="451262"/>
+                  <a:pt x="967894" y="422426"/>
+                  <a:pt x="956265" y="386381"/>
+                </a:cubicBezTo>
+                <a:cubicBezTo>
+                  <a:pt x="944635" y="346733"/>
+                  <a:pt x="979525" y="335919"/>
+                  <a:pt x="1002784" y="343127"/>
+                </a:cubicBezTo>
+                <a:cubicBezTo>
+                  <a:pt x="1090008" y="375569"/>
+                  <a:pt x="1180139" y="317897"/>
+                  <a:pt x="1270270" y="364755"/>
+                </a:cubicBezTo>
+                <a:cubicBezTo>
+                  <a:pt x="1247011" y="249411"/>
+                  <a:pt x="1197583" y="198949"/>
+                  <a:pt x="1092915" y="180926"/>
+                </a:cubicBezTo>
+                <a:cubicBezTo>
+                  <a:pt x="1055118" y="177322"/>
+                  <a:pt x="1014414" y="184530"/>
+                  <a:pt x="979525" y="152090"/>
+                </a:cubicBezTo>
+                <a:cubicBezTo>
+                  <a:pt x="959172" y="134068"/>
+                  <a:pt x="938820" y="112441"/>
+                  <a:pt x="953358" y="76396"/>
+                </a:cubicBezTo>
+                <a:cubicBezTo>
+                  <a:pt x="962080" y="51165"/>
+                  <a:pt x="985339" y="51165"/>
+                  <a:pt x="1005692" y="58373"/>
+                </a:cubicBezTo>
+                <a:cubicBezTo>
+                  <a:pt x="1090008" y="98023"/>
+                  <a:pt x="1180139" y="108837"/>
+                  <a:pt x="1267362" y="123254"/>
+                </a:cubicBezTo>
+                <a:cubicBezTo>
+                  <a:pt x="1281900" y="126859"/>
+                  <a:pt x="1296437" y="134068"/>
+                  <a:pt x="1310975" y="98023"/>
+                </a:cubicBezTo>
+                <a:cubicBezTo>
+                  <a:pt x="1260095" y="81803"/>
+                  <a:pt x="1209941" y="62879"/>
+                  <a:pt x="1159787" y="43505"/>
+                </a:cubicBezTo>
                 <a:close/>
               </a:path>
             </a:pathLst>
           </a:custGeom>
           <a:solidFill>
-            <a:schemeClr val="bg1"/>
+            <a:schemeClr val="bg2">
+              <a:alpha val="50000"/>
+            </a:schemeClr>
           </a:solidFill>
-          <a:ln>
+          <a:ln w="32707" cap="flat">
             <a:noFill/>
+            <a:prstDash val="solid"/>
+            <a:miter/>
           </a:ln>
         </p:spPr>
-        <p:style>
-          <a:lnRef idx="2">
-            <a:schemeClr val="accent1">
-              <a:shade val="50000"/>
-            </a:schemeClr>
-          </a:lnRef>
-          <a:fillRef idx="1">
-            <a:schemeClr val="accent1"/>
-          </a:fillRef>
-          <a:effectRef idx="0">
-            <a:schemeClr val="accent1"/>
-          </a:effectRef>
-          <a:fontRef idx="minor">
-            <a:schemeClr val="lt1"/>
-          </a:fontRef>
-        </p:style>
         <p:txBody>
           <a:bodyPr wrap="square" rtlCol="0" anchor="ctr">
             <a:noAutofit/>
@@ -4071,7 +4385,7 @@
       </p:sp>
       <p:pic>
         <p:nvPicPr>
-          <p:cNvPr id="9" name="Picture 8" descr="Graphical user interface, text&#10;&#10;Description automatically generated with medium confidence">
+          <p:cNvPr id="8" name="Picture 7" descr="Graphical user interface, text&#10;&#10;Description automatically generated with medium confidence">
             <a:extLst>
               <a:ext uri="{FF2B5EF4-FFF2-40B4-BE49-F238E27FC236}">
                 <a16:creationId xmlns:a16="http://schemas.microsoft.com/office/drawing/2014/main" id="{3FB27076-2C3A-77C9-BB90-86708CA9B3D5}"/>
@@ -4083,16 +4397,15 @@
           </p:cNvPicPr>
           <p:nvPr/>
         </p:nvPicPr>
-        <p:blipFill>
+        <p:blipFill rotWithShape="1">
           <a:blip r:embed="rId2"/>
-          <a:stretch>
-            <a:fillRect/>
-          </a:stretch>
+          <a:srcRect t="509" b="14949"/>
+          <a:stretch/>
         </p:blipFill>
         <p:spPr>
           <a:xfrm>
-            <a:off x="298599" y="228600"/>
-            <a:ext cx="11518602" cy="4953000"/>
+            <a:off x="921772" y="1370459"/>
+            <a:ext cx="10348455" cy="3761980"/>
           </a:xfrm>
           <a:prstGeom prst="rect">
             <a:avLst/>
@@ -4134,7 +4447,7 @@
           <p:cNvPr id="2" name="slide2" descr="Story1">
             <a:extLst>
               <a:ext uri="{FF2B5EF4-FFF2-40B4-BE49-F238E27FC236}">
-                <a16:creationId xmlns:a16="http://schemas.microsoft.com/office/drawing/2014/main" id="{150F8C0A-B26F-4D25-B230-30B3B6D210AB}"/>
+                <a16:creationId xmlns:a16="http://schemas.microsoft.com/office/drawing/2014/main" id="{D2517FB3-573A-49D1-8C14-E9530C091349}"/>
               </a:ext>
             </a:extLst>
           </p:cNvPr>
@@ -4200,7 +4513,7 @@
           <p:cNvPr id="3" name="slide3" descr="Story2">
             <a:extLst>
               <a:ext uri="{FF2B5EF4-FFF2-40B4-BE49-F238E27FC236}">
-                <a16:creationId xmlns:a16="http://schemas.microsoft.com/office/drawing/2014/main" id="{D0D64941-F673-4428-A15B-D77A692A5D20}"/>
+                <a16:creationId xmlns:a16="http://schemas.microsoft.com/office/drawing/2014/main" id="{C85ADED3-6846-47C4-ADD6-1ADB39BC6664}"/>
               </a:ext>
             </a:extLst>
           </p:cNvPr>
@@ -4266,7 +4579,7 @@
           <p:cNvPr id="4" name="slide4" descr="Story3">
             <a:extLst>
               <a:ext uri="{FF2B5EF4-FFF2-40B4-BE49-F238E27FC236}">
-                <a16:creationId xmlns:a16="http://schemas.microsoft.com/office/drawing/2014/main" id="{4BEA6C3B-BA5D-42B4-AD39-3A1ED6928635}"/>
+                <a16:creationId xmlns:a16="http://schemas.microsoft.com/office/drawing/2014/main" id="{F7CDBF1D-1831-4457-90D4-048A1D3A05F8}"/>
               </a:ext>
             </a:extLst>
           </p:cNvPr>
@@ -4332,7 +4645,7 @@
           <p:cNvPr id="5" name="slide5" descr="Story4">
             <a:extLst>
               <a:ext uri="{FF2B5EF4-FFF2-40B4-BE49-F238E27FC236}">
-                <a16:creationId xmlns:a16="http://schemas.microsoft.com/office/drawing/2014/main" id="{15D1D063-1C17-455C-99B7-05EBB8FBAC1C}"/>
+                <a16:creationId xmlns:a16="http://schemas.microsoft.com/office/drawing/2014/main" id="{FB3AC361-AF6F-48B8-8928-1300F39DE011}"/>
               </a:ext>
             </a:extLst>
           </p:cNvPr>
@@ -4398,7 +4711,7 @@
           <p:cNvPr id="6" name="slide6" descr="Story5">
             <a:extLst>
               <a:ext uri="{FF2B5EF4-FFF2-40B4-BE49-F238E27FC236}">
-                <a16:creationId xmlns:a16="http://schemas.microsoft.com/office/drawing/2014/main" id="{1C06FC88-8393-44BA-896F-799A50831C76}"/>
+                <a16:creationId xmlns:a16="http://schemas.microsoft.com/office/drawing/2014/main" id="{90580D59-80BA-499D-A4A7-2A4C87B56E76}"/>
               </a:ext>
             </a:extLst>
           </p:cNvPr>
